--- a/프로토타입 제작/김애리_프로토타입제작.pptx
+++ b/프로토타입 제작/김애리_프로토타입제작.pptx
@@ -1,16 +1,19 @@
 
 <file path=ppt/presentation.xml><?xml version="1.0" encoding="utf-8"?>
-<p:presentation xmlns:a="http://schemas.openxmlformats.org/drawingml/2006/main" xmlns:r="http://schemas.openxmlformats.org/officeDocument/2006/relationships" xmlns:p="http://schemas.openxmlformats.org/presentationml/2006/main" autoCompressPictures="0">
+<p:presentation xmlns:a="http://schemas.openxmlformats.org/drawingml/2006/main" xmlns:r="http://schemas.openxmlformats.org/officeDocument/2006/relationships" xmlns:p="http://schemas.openxmlformats.org/presentationml/2006/main" xmlns:p14="http://schemas.microsoft.com/office/powerpoint/2010/main" autoCompressPictures="0">
   <p:sldMasterIdLst>
-    <p:sldMasterId id="2147483684" r:id="rId1"/>
+    <p:sldMasterId id="2147483736" r:id="rId13"/>
   </p:sldMasterIdLst>
   <p:sldIdLst>
-    <p:sldId id="256" r:id="rId2"/>
-    <p:sldId id="257" r:id="rId3"/>
-    <p:sldId id="258" r:id="rId4"/>
-    <p:sldId id="259" r:id="rId5"/>
-    <p:sldId id="260" r:id="rId6"/>
-    <p:sldId id="261" r:id="rId7"/>
+    <p:sldId id="256" r:id="rId15"/>
+    <p:sldId id="257" r:id="rId16"/>
+    <p:sldId id="258" r:id="rId17"/>
+    <p:sldId id="259" r:id="rId18"/>
+    <p:sldId id="260" r:id="rId19"/>
+    <p:sldId id="261" r:id="rId20"/>
+    <p:sldId id="262" r:id="rId21"/>
+    <p:sldId id="263" r:id="rId22"/>
+    <p:sldId id="264" r:id="rId23"/>
   </p:sldIdLst>
   <p:sldSz cx="12192000" cy="6858000"/>
   <p:notesSz cx="6858000" cy="9144000"/>
@@ -756,7 +759,7 @@
 </file>
 
 <file path=ppt/slideLayouts/slideLayout2.xml><?xml version="1.0" encoding="utf-8"?>
-<p:sldLayout xmlns:a="http://schemas.openxmlformats.org/drawingml/2006/main" xmlns:r="http://schemas.openxmlformats.org/officeDocument/2006/relationships" xmlns:p="http://schemas.openxmlformats.org/presentationml/2006/main" type="obj" preserve="1">
+<p:sldLayout xmlns:a="http://schemas.openxmlformats.org/drawingml/2006/main" xmlns:r="http://schemas.openxmlformats.org/officeDocument/2006/relationships" xmlns:p="http://schemas.openxmlformats.org/presentationml/2006/main" xmlns:p14="http://schemas.microsoft.com/office/powerpoint/2010/main" type="obj" preserve="1">
   <p:cSld name="제목 및 내용">
     <p:spTree>
       <p:nvGrpSpPr>
@@ -782,7 +785,12 @@
             <p:ph type="title"/>
           </p:nvPr>
         </p:nvSpPr>
-        <p:spPr/>
+        <p:spPr>
+          <a:xfrm>
+            <a:off x="1143000" y="609600"/>
+            <a:ext cx="9876155" cy="1356995"/>
+          </a:xfrm>
+        </p:spPr>
         <p:txBody>
           <a:bodyPr/>
           <a:lstStyle/>
@@ -805,7 +813,12 @@
             <p:ph idx="1"/>
           </p:nvPr>
         </p:nvSpPr>
-        <p:spPr/>
+        <p:spPr>
+          <a:xfrm>
+            <a:off x="1143000" y="2057400"/>
+            <a:ext cx="9873615" cy="4039235"/>
+          </a:xfrm>
+        </p:spPr>
         <p:txBody>
           <a:bodyPr/>
           <a:lstStyle/>
@@ -857,7 +870,12 @@
             <p:ph type="dt" sz="half" idx="10"/>
           </p:nvPr>
         </p:nvSpPr>
-        <p:spPr/>
+        <p:spPr>
+          <a:xfrm>
+            <a:off x="1143000" y="6223635"/>
+            <a:ext cx="2329815" cy="365760"/>
+          </a:xfrm>
+        </p:spPr>
         <p:txBody>
           <a:bodyPr/>
           <a:lstStyle/>
@@ -880,7 +898,12 @@
             <p:ph type="ftr" sz="quarter" idx="11"/>
           </p:nvPr>
         </p:nvSpPr>
-        <p:spPr/>
+        <p:spPr>
+          <a:xfrm>
+            <a:off x="3949065" y="6223635"/>
+            <a:ext cx="4718685" cy="365760"/>
+          </a:xfrm>
+        </p:spPr>
         <p:txBody>
           <a:bodyPr/>
           <a:lstStyle/>
@@ -899,7 +922,12 @@
             <p:ph type="sldNum" sz="quarter" idx="12"/>
           </p:nvPr>
         </p:nvSpPr>
-        <p:spPr/>
+        <p:spPr>
+          <a:xfrm>
+            <a:off x="9329420" y="6223635"/>
+            <a:ext cx="1706880" cy="365760"/>
+          </a:xfrm>
+        </p:spPr>
         <p:txBody>
           <a:bodyPr/>
           <a:lstStyle/>
@@ -917,6 +945,14 @@
   <p:clrMapOvr>
     <a:masterClrMapping/>
   </p:clrMapOvr>
+  <mc:AlternateContent xmlns:mc="http://schemas.openxmlformats.org/markup-compatibility/2006">
+    <mc:Choice xmlns:p14="http://schemas.microsoft.com/office/powerpoint/2010/main" Requires="p14">
+      <p:transition spd="slow" p14:dur="2000"/>
+    </mc:Choice>
+    <mc:Fallback>
+      <p:transition spd="slow"/>
+    </mc:Fallback>
+  </mc:AlternateContent>
 </p:sldLayout>
 </file>
 
@@ -2659,14 +2695,13 @@
 </file>
 
 <file path=ppt/slideMasters/slideMaster1.xml><?xml version="1.0" encoding="utf-8"?>
-<p:sldMaster xmlns:a="http://schemas.openxmlformats.org/drawingml/2006/main" xmlns:r="http://schemas.openxmlformats.org/officeDocument/2006/relationships" xmlns:p="http://schemas.openxmlformats.org/presentationml/2006/main">
+<p:sldMaster xmlns:a="http://schemas.openxmlformats.org/drawingml/2006/main" xmlns:r="http://schemas.openxmlformats.org/officeDocument/2006/relationships" xmlns:p="http://schemas.openxmlformats.org/presentationml/2006/main" xmlns:p14="http://schemas.microsoft.com/office/powerpoint/2010/main">
   <p:cSld>
     <p:bg>
       <p:bgPr>
         <a:solidFill>
           <a:schemeClr val="accent1"/>
         </a:solidFill>
-        <a:effectLst/>
       </p:bgPr>
     </p:bg>
     <p:spTree>
@@ -2694,7 +2729,7 @@
         <p:spPr>
           <a:xfrm>
             <a:off x="231140" y="243840"/>
-            <a:ext cx="11724640" cy="6377939"/>
+            <a:ext cx="11724640" cy="6377940"/>
           </a:xfrm>
           <a:prstGeom prst="rect">
             <a:avLst/>
@@ -2769,7 +2804,7 @@
         <p:spPr>
           <a:xfrm>
             <a:off x="1143000" y="2057400"/>
-            <a:ext cx="9872871" cy="4038600"/>
+            <a:ext cx="9872980" cy="4038600"/>
           </a:xfrm>
           <a:prstGeom prst="rect">
             <a:avLst/>
@@ -2830,8 +2865,8 @@
         </p:nvSpPr>
         <p:spPr>
           <a:xfrm>
-            <a:off x="1142996" y="6223828"/>
-            <a:ext cx="2329074" cy="365125"/>
+            <a:off x="1143000" y="6223635"/>
+            <a:ext cx="2329180" cy="365125"/>
           </a:xfrm>
           <a:prstGeom prst="rect">
             <a:avLst/>
@@ -2870,8 +2905,8 @@
         </p:nvSpPr>
         <p:spPr>
           <a:xfrm>
-            <a:off x="3949148" y="6223828"/>
-            <a:ext cx="4717774" cy="365125"/>
+            <a:off x="3949065" y="6223635"/>
+            <a:ext cx="4718050" cy="365125"/>
           </a:xfrm>
           <a:prstGeom prst="rect">
             <a:avLst/>
@@ -2905,8 +2940,8 @@
         </p:nvSpPr>
         <p:spPr>
           <a:xfrm>
-            <a:off x="9329530" y="6223828"/>
-            <a:ext cx="1706217" cy="365125"/>
+            <a:off x="9329420" y="6223635"/>
+            <a:ext cx="1706245" cy="365125"/>
           </a:xfrm>
           <a:prstGeom prst="rect">
             <a:avLst/>
@@ -2937,18 +2972,33 @@
   </p:cSld>
   <p:clrMap bg1="lt1" tx1="dk1" bg2="lt2" tx2="dk2" accent1="accent1" accent2="accent2" accent3="accent3" accent4="accent4" accent5="accent5" accent6="accent6" hlink="hlink" folHlink="folHlink"/>
   <p:sldLayoutIdLst>
-    <p:sldLayoutId id="2147483685" r:id="rId1"/>
-    <p:sldLayoutId id="2147483686" r:id="rId2"/>
-    <p:sldLayoutId id="2147483687" r:id="rId3"/>
-    <p:sldLayoutId id="2147483688" r:id="rId4"/>
-    <p:sldLayoutId id="2147483689" r:id="rId5"/>
-    <p:sldLayoutId id="2147483690" r:id="rId6"/>
-    <p:sldLayoutId id="2147483691" r:id="rId7"/>
-    <p:sldLayoutId id="2147483692" r:id="rId8"/>
-    <p:sldLayoutId id="2147483693" r:id="rId9"/>
-    <p:sldLayoutId id="2147483694" r:id="rId10"/>
-    <p:sldLayoutId id="2147483695" r:id="rId11"/>
+    <p:sldLayoutId id="2147483725" r:id="rId1"/>
+    <p:sldLayoutId id="2147483726" r:id="rId2"/>
+    <p:sldLayoutId id="2147483727" r:id="rId3"/>
+    <p:sldLayoutId id="2147483728" r:id="rId4"/>
+    <p:sldLayoutId id="2147483729" r:id="rId5"/>
+    <p:sldLayoutId id="2147483730" r:id="rId6"/>
+    <p:sldLayoutId id="2147483731" r:id="rId7"/>
+    <p:sldLayoutId id="2147483732" r:id="rId8"/>
+    <p:sldLayoutId id="2147483733" r:id="rId9"/>
+    <p:sldLayoutId id="2147483734" r:id="rId10"/>
+    <p:sldLayoutId id="2147483735" r:id="rId11"/>
   </p:sldLayoutIdLst>
+  <mc:AlternateContent xmlns:mc="http://schemas.openxmlformats.org/markup-compatibility/2006">
+    <mc:Choice xmlns:p14="http://schemas.microsoft.com/office/powerpoint/2010/main" Requires="p14">
+      <p:transition spd="slow" p14:dur="2000"/>
+    </mc:Choice>
+    <mc:Fallback>
+      <p:transition spd="slow"/>
+    </mc:Fallback>
+  </mc:AlternateContent>
+  <p:timing>
+    <p:tnLst>
+      <p:par>
+        <p:cTn id="1" dur="indefinite" restart="never" nodeType="tmRoot"/>
+      </p:par>
+    </p:tnLst>
+  </p:timing>
   <p:txStyles>
     <p:titleStyle>
       <a:lvl1pPr algn="l" defTabSz="914400" rtl="0" eaLnBrk="1" latinLnBrk="1" hangingPunct="1">
@@ -3293,7 +3343,7 @@
 </file>
 
 <file path=ppt/slides/slide1.xml><?xml version="1.0" encoding="utf-8"?>
-<p:sld xmlns:a="http://schemas.openxmlformats.org/drawingml/2006/main" xmlns:r="http://schemas.openxmlformats.org/officeDocument/2006/relationships" xmlns:p="http://schemas.openxmlformats.org/presentationml/2006/main">
+<p:sld xmlns:a="http://schemas.openxmlformats.org/drawingml/2006/main" xmlns:r="http://schemas.openxmlformats.org/officeDocument/2006/relationships" xmlns:p="http://schemas.openxmlformats.org/presentationml/2006/main" xmlns:p14="http://schemas.microsoft.com/office/powerpoint/2010/main">
   <p:cSld>
     <p:spTree>
       <p:nvGrpSpPr>
@@ -3321,8 +3371,8 @@
         </p:nvSpPr>
         <p:spPr>
           <a:xfrm>
-            <a:off x="1521640" y="2516824"/>
-            <a:ext cx="8767860" cy="1388165"/>
+            <a:off x="1521460" y="2517140"/>
+            <a:ext cx="8768080" cy="1388110"/>
           </a:xfrm>
         </p:spPr>
         <p:txBody>
@@ -3351,8 +3401,8 @@
         </p:nvSpPr>
         <p:spPr>
           <a:xfrm>
-            <a:off x="8043527" y="4134271"/>
-            <a:ext cx="2862649" cy="646331"/>
+            <a:off x="8043545" y="4134485"/>
+            <a:ext cx="2862580" cy="646430"/>
           </a:xfrm>
           <a:prstGeom prst="rect">
             <a:avLst/>
@@ -3404,6 +3454,14 @@
   <p:clrMapOvr>
     <a:masterClrMapping/>
   </p:clrMapOvr>
+  <mc:AlternateContent xmlns:mc="http://schemas.openxmlformats.org/markup-compatibility/2006">
+    <mc:Choice xmlns:p14="http://schemas.microsoft.com/office/powerpoint/2010/main" Requires="p14">
+      <p:transition spd="slow" p14:dur="2000"/>
+    </mc:Choice>
+    <mc:Fallback>
+      <p:transition spd="slow"/>
+    </mc:Fallback>
+  </mc:AlternateContent>
   <p:timing>
     <p:tnLst>
       <p:par>
@@ -3415,7 +3473,7 @@
 </file>
 
 <file path=ppt/slides/slide2.xml><?xml version="1.0" encoding="utf-8"?>
-<p:sld xmlns:a="http://schemas.openxmlformats.org/drawingml/2006/main" xmlns:r="http://schemas.openxmlformats.org/officeDocument/2006/relationships" xmlns:p="http://schemas.openxmlformats.org/presentationml/2006/main">
+<p:sld xmlns:a="http://schemas.openxmlformats.org/drawingml/2006/main" xmlns:r="http://schemas.openxmlformats.org/officeDocument/2006/relationships" xmlns:p="http://schemas.openxmlformats.org/presentationml/2006/main" xmlns:p14="http://schemas.microsoft.com/office/powerpoint/2010/main">
   <p:cSld>
     <p:spTree>
       <p:nvGrpSpPr>
@@ -3434,58 +3492,59 @@
       <p:sp>
         <p:nvSpPr>
           <p:cNvPr id="2" name="제목 1"/>
-          <p:cNvSpPr>
-            <a:spLocks noGrp="1"/>
+          <p:cNvSpPr txBox="1">
+            <a:spLocks/>
           </p:cNvSpPr>
           <p:nvPr>
             <p:ph type="title"/>
           </p:nvPr>
         </p:nvSpPr>
         <p:spPr>
-          <a:xfrm>
-            <a:off x="1143000" y="133611"/>
-            <a:ext cx="9875520" cy="1356360"/>
-          </a:xfrm>
-        </p:spPr>
-        <p:txBody>
-          <a:bodyPr>
-            <a:normAutofit/>
+          <a:xfrm rot="0">
+            <a:off x="1143000" y="133350"/>
+            <a:ext cx="9876155" cy="1356995"/>
+          </a:xfrm>
+          <a:prstGeom prst="rect"/>
+        </p:spPr>
+        <p:txBody>
+          <a:bodyPr wrap="square" lIns="91440" tIns="45720" rIns="91440" bIns="45720" numCol="1" vert="horz" anchor="ctr">
+            <a:normAutofit fontScale="100000" lnSpcReduction="0"/>
           </a:bodyPr>
           <a:lstStyle/>
           <a:p>
-            <a:pPr algn="ctr"/>
-            <a:r>
-              <a:rPr lang="en-US" altLang="ko-KR" sz="5000" dirty="0">
+            <a:pPr marL="0" indent="0" algn="ctr" fontAlgn="auto" defTabSz="914400">
+              <a:lnSpc>
+                <a:spcPct val="90000"/>
+              </a:lnSpc>
+              <a:spcBef>
+                <a:spcPts val="0"/>
+              </a:spcBef>
+              <a:spcAft>
+                <a:spcPts val="0"/>
+              </a:spcAft>
+              <a:buFontTx/>
+              <a:buNone/>
+            </a:pPr>
+            <a:r>
+              <a:rPr lang="en-US" altLang="ko-KR" sz="5000" cap="none" dirty="0" smtClean="0" b="0" strike="noStrike">
                 <a:solidFill>
                   <a:schemeClr val="accent1">
                     <a:lumMod val="75000"/>
                   </a:schemeClr>
                 </a:solidFill>
-                <a:latin typeface="나눔스퀘어라운드 Bold" panose="020B0600000101010101" pitchFamily="50" charset="-127"/>
-                <a:ea typeface="나눔스퀘어라운드 Bold" panose="020B0600000101010101" pitchFamily="50" charset="-127"/>
+                <a:latin typeface="배달의민족 주아" charset="0"/>
+                <a:ea typeface="배달의민족 주아" charset="0"/>
               </a:rPr>
-              <a:t>C</a:t>
-            </a:r>
-            <a:r>
-              <a:rPr lang="en-US" altLang="ko-KR" sz="5000" dirty="0" smtClean="0">
-                <a:solidFill>
-                  <a:schemeClr val="accent1">
-                    <a:lumMod val="75000"/>
-                  </a:schemeClr>
-                </a:solidFill>
-                <a:latin typeface="나눔스퀘어라운드 Bold" panose="020B0600000101010101" pitchFamily="50" charset="-127"/>
-                <a:ea typeface="나눔스퀘어라운드 Bold" panose="020B0600000101010101" pitchFamily="50" charset="-127"/>
-              </a:rPr>
-              <a:t>ontents</a:t>
-            </a:r>
-            <a:endParaRPr lang="ko-KR" altLang="en-US" sz="5000" dirty="0">
+              <a:t>Contents</a:t>
+            </a:r>
+            <a:endParaRPr lang="ko-KR" altLang="en-US" sz="5000" cap="none" dirty="0" smtClean="0" b="0" strike="noStrike">
               <a:solidFill>
                 <a:schemeClr val="accent1">
                   <a:lumMod val="75000"/>
                 </a:schemeClr>
               </a:solidFill>
-              <a:latin typeface="나눔스퀘어라운드 Bold" panose="020B0600000101010101" pitchFamily="50" charset="-127"/>
-              <a:ea typeface="나눔스퀘어라운드 Bold" panose="020B0600000101010101" pitchFamily="50" charset="-127"/>
+              <a:latin typeface="배달의민족 주아" charset="0"/>
+              <a:ea typeface="배달의민족 주아" charset="0"/>
             </a:endParaRPr>
           </a:p>
         </p:txBody>
@@ -3493,141 +3552,256 @@
       <p:sp>
         <p:nvSpPr>
           <p:cNvPr id="3" name="내용 개체 틀 2"/>
-          <p:cNvSpPr>
-            <a:spLocks noGrp="1"/>
-          </p:cNvSpPr>
-          <p:nvPr>
-            <p:ph idx="1"/>
-          </p:nvPr>
-        </p:nvSpPr>
-        <p:spPr>
-          <a:xfrm>
-            <a:off x="1145649" y="2279851"/>
-            <a:ext cx="9872871" cy="4705611"/>
-          </a:xfrm>
-        </p:spPr>
-        <p:txBody>
-          <a:bodyPr/>
+          <p:cNvSpPr txBox="1">
+            <a:spLocks/>
+          </p:cNvSpPr>
+          <p:nvPr>
+            <p:ph type="obj" idx="1"/>
+          </p:nvPr>
+        </p:nvSpPr>
+        <p:spPr>
+          <a:xfrm rot="0">
+            <a:off x="1145540" y="1663700"/>
+            <a:ext cx="9873615" cy="4705985"/>
+          </a:xfrm>
+          <a:prstGeom prst="rect"/>
+        </p:spPr>
+        <p:txBody>
+          <a:bodyPr wrap="square" lIns="91440" tIns="45720" rIns="91440" bIns="45720" numCol="1" vert="horz" anchor="t">
+            <a:normAutofit fontScale="100000" lnSpcReduction="0"/>
+          </a:bodyPr>
           <a:lstStyle/>
           <a:p>
-            <a:r>
-              <a:rPr lang="ko-KR" altLang="en-US" dirty="0" err="1" smtClean="0">
-                <a:latin typeface="빙그레체" panose="02030503000000000000" pitchFamily="18" charset="-127"/>
-                <a:ea typeface="빙그레체" panose="02030503000000000000" pitchFamily="18" charset="-127"/>
+            <a:pPr marL="228600" indent="-182880" algn="l" fontAlgn="auto" defTabSz="914400">
+              <a:lnSpc>
+                <a:spcPct val="90000"/>
+              </a:lnSpc>
+              <a:spcBef>
+                <a:spcPts val="1400"/>
+              </a:spcBef>
+              <a:spcAft>
+                <a:spcPts val="0"/>
+              </a:spcAft>
+              <a:buClr>
+                <a:srgbClr val="A6B727"/>
+              </a:buClr>
+              <a:buSzPct val="80000"/>
+              <a:buFont typeface="Corbel"/>
+              <a:buChar char="•"/>
+            </a:pPr>
+            <a:r>
+              <a:rPr lang="en-US" altLang="ko-KR" sz="3200" cap="none" dirty="0" smtClean="0" b="0" strike="noStrike">
+                <a:latin typeface="서울남산체 B" charset="0"/>
+                <a:ea typeface="서울남산체 B" charset="0"/>
               </a:rPr>
-              <a:t>리뉴얼</a:t>
-            </a:r>
-            <a:r>
-              <a:rPr lang="ko-KR" altLang="en-US" dirty="0" smtClean="0">
-                <a:latin typeface="빙그레체" panose="02030503000000000000" pitchFamily="18" charset="-127"/>
-                <a:ea typeface="빙그레체" panose="02030503000000000000" pitchFamily="18" charset="-127"/>
-              </a:rPr>
-              <a:t> 사이트 페이지</a:t>
-            </a:r>
-            <a:endParaRPr lang="en-US" altLang="ko-KR" dirty="0" smtClean="0">
-              <a:latin typeface="빙그레체" panose="02030503000000000000" pitchFamily="18" charset="-127"/>
-              <a:ea typeface="빙그레체" panose="02030503000000000000" pitchFamily="18" charset="-127"/>
+              <a:t>리뉴얼 사이트 페이지</a:t>
+            </a:r>
+            <a:endParaRPr lang="ko-KR" altLang="en-US" sz="3200" cap="none" dirty="0" smtClean="0" b="0" strike="noStrike">
+              <a:latin typeface="서울남산체 B" charset="0"/>
+              <a:ea typeface="서울남산체 B" charset="0"/>
             </a:endParaRPr>
           </a:p>
           <a:p>
-            <a:pPr lvl="1"/>
-            <a:r>
-              <a:rPr lang="ko-KR" altLang="en-US" dirty="0" smtClean="0">
-                <a:latin typeface="빙그레체" panose="02030503000000000000" pitchFamily="18" charset="-127"/>
-                <a:ea typeface="빙그레체" panose="02030503000000000000" pitchFamily="18" charset="-127"/>
+            <a:pPr marL="457200" indent="-182880" algn="l" fontAlgn="auto" defTabSz="914400">
+              <a:lnSpc>
+                <a:spcPct val="90000"/>
+              </a:lnSpc>
+              <a:spcBef>
+                <a:spcPts val="200"/>
+              </a:spcBef>
+              <a:spcAft>
+                <a:spcPts val="400"/>
+              </a:spcAft>
+              <a:buClr>
+                <a:srgbClr val="A6B727"/>
+              </a:buClr>
+              <a:buSzPct val="80000"/>
+              <a:buFont typeface="Corbel"/>
+              <a:buChar char="•"/>
+            </a:pPr>
+            <a:r>
+              <a:rPr lang="en-US" altLang="ko-KR" sz="3200" cap="none" dirty="0" smtClean="0" b="0" strike="noStrike">
+                <a:latin typeface="서울남산체 B" charset="0"/>
+                <a:ea typeface="서울남산체 B" charset="0"/>
               </a:rPr>
               <a:t>메인 페이지</a:t>
             </a:r>
-            <a:endParaRPr lang="en-US" altLang="ko-KR" dirty="0" smtClean="0">
-              <a:latin typeface="빙그레체" panose="02030503000000000000" pitchFamily="18" charset="-127"/>
-              <a:ea typeface="빙그레체" panose="02030503000000000000" pitchFamily="18" charset="-127"/>
+            <a:endParaRPr lang="ko-KR" altLang="en-US" sz="3200" cap="none" dirty="0" smtClean="0" b="0" strike="noStrike">
+              <a:latin typeface="서울남산체 B" charset="0"/>
+              <a:ea typeface="서울남산체 B" charset="0"/>
             </a:endParaRPr>
           </a:p>
           <a:p>
-            <a:pPr lvl="1"/>
-            <a:r>
-              <a:rPr lang="ko-KR" altLang="en-US" dirty="0" smtClean="0">
-                <a:latin typeface="빙그레체" panose="02030503000000000000" pitchFamily="18" charset="-127"/>
-                <a:ea typeface="빙그레체" panose="02030503000000000000" pitchFamily="18" charset="-127"/>
+            <a:pPr marL="457200" indent="-182880" algn="l" fontAlgn="auto" defTabSz="914400">
+              <a:lnSpc>
+                <a:spcPct val="90000"/>
+              </a:lnSpc>
+              <a:spcBef>
+                <a:spcPts val="200"/>
+              </a:spcBef>
+              <a:spcAft>
+                <a:spcPts val="400"/>
+              </a:spcAft>
+              <a:buClr>
+                <a:srgbClr val="A6B727"/>
+              </a:buClr>
+              <a:buSzPct val="80000"/>
+              <a:buFont typeface="Corbel"/>
+              <a:buChar char="•"/>
+            </a:pPr>
+            <a:r>
+              <a:rPr lang="en-US" altLang="ko-KR" sz="3200" cap="none" dirty="0" smtClean="0" b="0" strike="noStrike">
+                <a:latin typeface="서울남산체 B" charset="0"/>
+                <a:ea typeface="서울남산체 B" charset="0"/>
               </a:rPr>
               <a:t>컨텐츠 페이지</a:t>
             </a:r>
-            <a:endParaRPr lang="en-US" altLang="ko-KR" dirty="0" smtClean="0">
-              <a:latin typeface="빙그레체" panose="02030503000000000000" pitchFamily="18" charset="-127"/>
-              <a:ea typeface="빙그레체" panose="02030503000000000000" pitchFamily="18" charset="-127"/>
+            <a:endParaRPr lang="ko-KR" altLang="en-US" sz="3200" cap="none" dirty="0" smtClean="0" b="0" strike="noStrike">
+              <a:latin typeface="서울남산체 B" charset="0"/>
+              <a:ea typeface="서울남산체 B" charset="0"/>
             </a:endParaRPr>
           </a:p>
           <a:p>
-            <a:pPr lvl="1"/>
-            <a:r>
-              <a:rPr lang="ko-KR" altLang="en-US" dirty="0" smtClean="0">
-                <a:latin typeface="빙그레체" panose="02030503000000000000" pitchFamily="18" charset="-127"/>
-                <a:ea typeface="빙그레체" panose="02030503000000000000" pitchFamily="18" charset="-127"/>
+            <a:pPr marL="457200" indent="-182880" algn="l" fontAlgn="auto" defTabSz="914400">
+              <a:lnSpc>
+                <a:spcPct val="90000"/>
+              </a:lnSpc>
+              <a:spcBef>
+                <a:spcPts val="200"/>
+              </a:spcBef>
+              <a:spcAft>
+                <a:spcPts val="400"/>
+              </a:spcAft>
+              <a:buClr>
+                <a:srgbClr val="A6B727"/>
+              </a:buClr>
+              <a:buSzPct val="80000"/>
+              <a:buFont typeface="Corbel"/>
+              <a:buChar char="•"/>
+            </a:pPr>
+            <a:r>
+              <a:rPr lang="en-US" altLang="ko-KR" sz="3200" cap="none" dirty="0" smtClean="0" b="0" strike="noStrike">
+                <a:latin typeface="서울남산체 B" charset="0"/>
+                <a:ea typeface="서울남산체 B" charset="0"/>
               </a:rPr>
               <a:t>상세페이지</a:t>
             </a:r>
-            <a:endParaRPr lang="en-US" altLang="ko-KR" dirty="0" smtClean="0">
-              <a:latin typeface="빙그레체" panose="02030503000000000000" pitchFamily="18" charset="-127"/>
-              <a:ea typeface="빙그레체" panose="02030503000000000000" pitchFamily="18" charset="-127"/>
+            <a:endParaRPr lang="ko-KR" altLang="en-US" sz="3200" cap="none" dirty="0" smtClean="0" b="0" strike="noStrike">
+              <a:latin typeface="서울남산체 B" charset="0"/>
+              <a:ea typeface="서울남산체 B" charset="0"/>
             </a:endParaRPr>
           </a:p>
           <a:p>
-            <a:r>
-              <a:rPr lang="ko-KR" altLang="en-US" dirty="0" smtClean="0">
-                <a:latin typeface="빙그레체" panose="02030503000000000000" pitchFamily="18" charset="-127"/>
-                <a:ea typeface="빙그레체" panose="02030503000000000000" pitchFamily="18" charset="-127"/>
+            <a:pPr marL="228600" indent="-182880" algn="l" fontAlgn="auto" defTabSz="914400">
+              <a:lnSpc>
+                <a:spcPct val="90000"/>
+              </a:lnSpc>
+              <a:spcBef>
+                <a:spcPts val="1400"/>
+              </a:spcBef>
+              <a:spcAft>
+                <a:spcPts val="0"/>
+              </a:spcAft>
+              <a:buClr>
+                <a:srgbClr val="A6B727"/>
+              </a:buClr>
+              <a:buSzPct val="80000"/>
+              <a:buFont typeface="Corbel"/>
+              <a:buChar char="•"/>
+            </a:pPr>
+            <a:r>
+              <a:rPr lang="en-US" altLang="ko-KR" sz="3200" cap="none" dirty="0" smtClean="0" b="0" strike="noStrike">
+                <a:latin typeface="서울남산체 B" charset="0"/>
+                <a:ea typeface="서울남산체 B" charset="0"/>
               </a:rPr>
               <a:t>주제 선정 이유</a:t>
             </a:r>
-            <a:endParaRPr lang="en-US" altLang="ko-KR" dirty="0" smtClean="0">
-              <a:latin typeface="빙그레체" panose="02030503000000000000" pitchFamily="18" charset="-127"/>
-              <a:ea typeface="빙그레체" panose="02030503000000000000" pitchFamily="18" charset="-127"/>
+            <a:endParaRPr lang="ko-KR" altLang="en-US" sz="3200" cap="none" dirty="0" smtClean="0" b="0" strike="noStrike">
+              <a:latin typeface="서울남산체 B" charset="0"/>
+              <a:ea typeface="서울남산체 B" charset="0"/>
             </a:endParaRPr>
           </a:p>
           <a:p>
-            <a:r>
-              <a:rPr lang="ko-KR" altLang="en-US" dirty="0" smtClean="0">
-                <a:latin typeface="빙그레체" panose="02030503000000000000" pitchFamily="18" charset="-127"/>
-                <a:ea typeface="빙그레체" panose="02030503000000000000" pitchFamily="18" charset="-127"/>
+            <a:pPr marL="228600" indent="-182880" algn="l" fontAlgn="auto" defTabSz="914400">
+              <a:lnSpc>
+                <a:spcPct val="90000"/>
+              </a:lnSpc>
+              <a:spcBef>
+                <a:spcPts val="1400"/>
+              </a:spcBef>
+              <a:spcAft>
+                <a:spcPts val="0"/>
+              </a:spcAft>
+              <a:buClr>
+                <a:srgbClr val="A6B727"/>
+              </a:buClr>
+              <a:buSzPct val="80000"/>
+              <a:buFont typeface="Corbel"/>
+              <a:buChar char="•"/>
+            </a:pPr>
+            <a:r>
+              <a:rPr lang="en-US" altLang="ko-KR" sz="3200" cap="none" dirty="0" smtClean="0" b="0" strike="noStrike">
+                <a:latin typeface="서울남산체 B" charset="0"/>
+                <a:ea typeface="서울남산체 B" charset="0"/>
               </a:rPr>
               <a:t>사이트 제작 목표</a:t>
             </a:r>
-            <a:endParaRPr lang="en-US" altLang="ko-KR" dirty="0" smtClean="0">
-              <a:latin typeface="빙그레체" panose="02030503000000000000" pitchFamily="18" charset="-127"/>
-              <a:ea typeface="빙그레체" panose="02030503000000000000" pitchFamily="18" charset="-127"/>
+            <a:endParaRPr lang="ko-KR" altLang="en-US" sz="3200" cap="none" dirty="0" smtClean="0" b="0" strike="noStrike">
+              <a:latin typeface="서울남산체 B" charset="0"/>
+              <a:ea typeface="서울남산체 B" charset="0"/>
             </a:endParaRPr>
           </a:p>
           <a:p>
-            <a:r>
-              <a:rPr lang="ko-KR" altLang="en-US" dirty="0" smtClean="0">
-                <a:latin typeface="빙그레체" panose="02030503000000000000" pitchFamily="18" charset="-127"/>
-                <a:ea typeface="빙그레체" panose="02030503000000000000" pitchFamily="18" charset="-127"/>
+            <a:pPr marL="228600" indent="-182880" algn="l" fontAlgn="auto" defTabSz="914400">
+              <a:lnSpc>
+                <a:spcPct val="90000"/>
+              </a:lnSpc>
+              <a:spcBef>
+                <a:spcPts val="1400"/>
+              </a:spcBef>
+              <a:spcAft>
+                <a:spcPts val="0"/>
+              </a:spcAft>
+              <a:buClr>
+                <a:srgbClr val="A6B727"/>
+              </a:buClr>
+              <a:buSzPct val="80000"/>
+              <a:buFont typeface="Corbel"/>
+              <a:buChar char="•"/>
+            </a:pPr>
+            <a:r>
+              <a:rPr lang="en-US" altLang="ko-KR" sz="3200" cap="none" dirty="0" smtClean="0" b="0" strike="noStrike">
+                <a:latin typeface="서울남산체 B" charset="0"/>
+                <a:ea typeface="서울남산체 B" charset="0"/>
               </a:rPr>
-              <a:t>경쟁 사이트 비교</a:t>
-            </a:r>
-            <a:r>
-              <a:rPr lang="en-US" altLang="ko-KR" dirty="0" smtClean="0">
-                <a:latin typeface="빙그레체" panose="02030503000000000000" pitchFamily="18" charset="-127"/>
-                <a:ea typeface="빙그레체" panose="02030503000000000000" pitchFamily="18" charset="-127"/>
-              </a:rPr>
-              <a:t>/</a:t>
-            </a:r>
-            <a:r>
-              <a:rPr lang="ko-KR" altLang="en-US" dirty="0" smtClean="0">
-                <a:latin typeface="빙그레체" panose="02030503000000000000" pitchFamily="18" charset="-127"/>
-                <a:ea typeface="빙그레체" panose="02030503000000000000" pitchFamily="18" charset="-127"/>
-              </a:rPr>
-              <a:t>분석</a:t>
-            </a:r>
-            <a:endParaRPr lang="en-US" altLang="ko-KR" dirty="0" smtClean="0">
-              <a:latin typeface="빙그레체" panose="02030503000000000000" pitchFamily="18" charset="-127"/>
-              <a:ea typeface="빙그레체" panose="02030503000000000000" pitchFamily="18" charset="-127"/>
+              <a:t>경쟁 사이트 비교/분석</a:t>
+            </a:r>
+            <a:endParaRPr lang="ko-KR" altLang="en-US" sz="3200" cap="none" dirty="0" smtClean="0" b="0" strike="noStrike">
+              <a:latin typeface="서울남산체 B" charset="0"/>
+              <a:ea typeface="서울남산체 B" charset="0"/>
             </a:endParaRPr>
           </a:p>
           <a:p>
-            <a:endParaRPr lang="ko-KR" altLang="en-US" dirty="0">
-              <a:latin typeface="빙그레체" panose="02030503000000000000" pitchFamily="18" charset="-127"/>
-              <a:ea typeface="빙그레체" panose="02030503000000000000" pitchFamily="18" charset="-127"/>
+            <a:pPr marL="228600" indent="-182880" algn="l" fontAlgn="auto" defTabSz="914400">
+              <a:lnSpc>
+                <a:spcPct val="90000"/>
+              </a:lnSpc>
+              <a:spcBef>
+                <a:spcPts val="1400"/>
+              </a:spcBef>
+              <a:spcAft>
+                <a:spcPts val="0"/>
+              </a:spcAft>
+              <a:buClr>
+                <a:srgbClr val="A6B727"/>
+              </a:buClr>
+              <a:buSzPct val="80000"/>
+              <a:buFont typeface="Corbel"/>
+              <a:buChar char="•"/>
+            </a:pPr>
+            <a:endParaRPr lang="ko-KR" altLang="en-US" sz="2200" cap="none" dirty="0" smtClean="0" b="0" strike="noStrike">
+              <a:latin typeface="빙그레체" charset="0"/>
+              <a:ea typeface="빙그레체" charset="0"/>
             </a:endParaRPr>
           </a:p>
         </p:txBody>
@@ -3640,8 +3814,8 @@
         </p:nvCxnSpPr>
         <p:spPr>
           <a:xfrm flipV="1">
-            <a:off x="756458" y="1396538"/>
-            <a:ext cx="10440000" cy="0"/>
+            <a:off x="756285" y="1396365"/>
+            <a:ext cx="10440035" cy="0"/>
           </a:xfrm>
           <a:prstGeom prst="line">
             <a:avLst/>
@@ -3673,6 +3847,14 @@
   <p:clrMapOvr>
     <a:masterClrMapping/>
   </p:clrMapOvr>
+  <mc:AlternateContent xmlns:mc="http://schemas.openxmlformats.org/markup-compatibility/2006">
+    <mc:Choice xmlns:p14="http://schemas.microsoft.com/office/powerpoint/2010/main" Requires="p14">
+      <p:transition spd="slow" p14:dur="2000"/>
+    </mc:Choice>
+    <mc:Fallback>
+      <p:transition spd="slow"/>
+    </mc:Fallback>
+  </mc:AlternateContent>
   <p:timing>
     <p:tnLst>
       <p:par>
@@ -3684,7 +3866,7 @@
 </file>
 
 <file path=ppt/slides/slide3.xml><?xml version="1.0" encoding="utf-8"?>
-<p:sld xmlns:a="http://schemas.openxmlformats.org/drawingml/2006/main" xmlns:r="http://schemas.openxmlformats.org/officeDocument/2006/relationships" xmlns:p="http://schemas.openxmlformats.org/presentationml/2006/main">
+<p:sld xmlns:a="http://schemas.openxmlformats.org/drawingml/2006/main" xmlns:r="http://schemas.openxmlformats.org/officeDocument/2006/relationships" xmlns:p="http://schemas.openxmlformats.org/presentationml/2006/main" xmlns:p14="http://schemas.microsoft.com/office/powerpoint/2010/main">
   <p:cSld>
     <p:spTree>
       <p:nvGrpSpPr>
@@ -3712,7 +3894,7 @@
         </p:nvSpPr>
         <p:spPr>
           <a:xfrm>
-            <a:off x="419793" y="185651"/>
+            <a:off x="419735" y="185420"/>
             <a:ext cx="9875520" cy="1356360"/>
           </a:xfrm>
         </p:spPr>
@@ -3756,8 +3938,8 @@
         </p:blipFill>
         <p:spPr>
           <a:xfrm>
-            <a:off x="6527185" y="3420746"/>
-            <a:ext cx="4158826" cy="3064398"/>
+            <a:off x="6527165" y="3420745"/>
+            <a:ext cx="4158615" cy="3064510"/>
           </a:xfrm>
           <a:prstGeom prst="rect">
             <a:avLst/>
@@ -3793,8 +3975,8 @@
         </p:blipFill>
         <p:spPr>
           <a:xfrm>
-            <a:off x="5955398" y="544791"/>
-            <a:ext cx="5172716" cy="3471334"/>
+            <a:off x="5955665" y="544830"/>
+            <a:ext cx="5172710" cy="3471545"/>
           </a:xfrm>
           <a:prstGeom prst="rect">
             <a:avLst/>
@@ -3832,8 +4014,8 @@
         </p:blipFill>
         <p:spPr>
           <a:xfrm>
-            <a:off x="419793" y="1901151"/>
-            <a:ext cx="6206600" cy="3508866"/>
+            <a:off x="419735" y="1901190"/>
+            <a:ext cx="6206490" cy="3509010"/>
           </a:xfrm>
           <a:effectLst>
             <a:outerShdw blurRad="127000" sx="101000" sy="101000" algn="ctr" rotWithShape="0">
@@ -3854,6 +4036,14 @@
   <p:clrMapOvr>
     <a:masterClrMapping/>
   </p:clrMapOvr>
+  <mc:AlternateContent xmlns:mc="http://schemas.openxmlformats.org/markup-compatibility/2006">
+    <mc:Choice xmlns:p14="http://schemas.microsoft.com/office/powerpoint/2010/main" Requires="p14">
+      <p:transition spd="slow" p14:dur="2000"/>
+    </mc:Choice>
+    <mc:Fallback>
+      <p:transition spd="slow"/>
+    </mc:Fallback>
+  </mc:AlternateContent>
   <p:timing>
     <p:tnLst>
       <p:par>
@@ -3865,7 +4055,7 @@
 </file>
 
 <file path=ppt/slides/slide4.xml><?xml version="1.0" encoding="utf-8"?>
-<p:sld xmlns:a="http://schemas.openxmlformats.org/drawingml/2006/main" xmlns:r="http://schemas.openxmlformats.org/officeDocument/2006/relationships" xmlns:p="http://schemas.openxmlformats.org/presentationml/2006/main">
+<p:sld xmlns:a="http://schemas.openxmlformats.org/drawingml/2006/main" xmlns:r="http://schemas.openxmlformats.org/officeDocument/2006/relationships" xmlns:p="http://schemas.openxmlformats.org/presentationml/2006/main" xmlns:p14="http://schemas.microsoft.com/office/powerpoint/2010/main">
   <p:cSld>
     <p:spTree>
       <p:nvGrpSpPr>
@@ -3893,24 +4083,39 @@
         </p:nvSpPr>
         <p:spPr>
           <a:xfrm>
-            <a:off x="419793" y="185651"/>
-            <a:ext cx="9875520" cy="1356360"/>
-          </a:xfrm>
-        </p:spPr>
-        <p:txBody>
-          <a:bodyPr/>
+            <a:off x="419735" y="185420"/>
+            <a:ext cx="9876155" cy="1356995"/>
+          </a:xfrm>
+        </p:spPr>
+        <p:txBody>
+          <a:bodyPr wrap="square" lIns="91440" tIns="45720" rIns="91440" bIns="45720" numCol="1" vert="horz" anchor="ctr">
+            <a:normAutofit fontScale="100000" lnSpcReduction="0"/>
+          </a:bodyPr>
           <a:lstStyle/>
           <a:p>
-            <a:r>
-              <a:rPr lang="ko-KR" altLang="en-US" dirty="0" smtClean="0">
-                <a:latin typeface="나눔스퀘어라운드 Bold" panose="020B0600000101010101" pitchFamily="50" charset="-127"/>
-                <a:ea typeface="나눔스퀘어라운드 Bold" panose="020B0600000101010101" pitchFamily="50" charset="-127"/>
+            <a:pPr marL="0" indent="0" algn="l" fontAlgn="auto" defTabSz="914400">
+              <a:lnSpc>
+                <a:spcPct val="90000"/>
+              </a:lnSpc>
+              <a:spcBef>
+                <a:spcPts val="0"/>
+              </a:spcBef>
+              <a:spcAft>
+                <a:spcPts val="0"/>
+              </a:spcAft>
+              <a:buFontTx/>
+              <a:buNone/>
+            </a:pPr>
+            <a:r>
+              <a:rPr lang="en-US" altLang="ko-KR" sz="4400" cap="none" dirty="0" smtClean="0" b="0" strike="noStrike">
+                <a:latin typeface="나눔스퀘어라운드 Bold" charset="0"/>
+                <a:ea typeface="나눔스퀘어라운드 Bold" charset="0"/>
               </a:rPr>
-              <a:t>컨텐츠 페이지</a:t>
-            </a:r>
-            <a:endParaRPr lang="ko-KR" altLang="en-US" dirty="0">
-              <a:latin typeface="나눔스퀘어라운드 Bold" panose="020B0600000101010101" pitchFamily="50" charset="-127"/>
-              <a:ea typeface="나눔스퀘어라운드 Bold" panose="020B0600000101010101" pitchFamily="50" charset="-127"/>
+              <a:t>서브 페이지</a:t>
+            </a:r>
+            <a:endParaRPr lang="ko-KR" altLang="en-US" sz="4400" cap="none" dirty="0" smtClean="0" b="0" strike="noStrike">
+              <a:latin typeface="나눔스퀘어라운드 Bold" charset="0"/>
+              <a:ea typeface="나눔스퀘어라운드 Bold" charset="0"/>
             </a:endParaRPr>
           </a:p>
         </p:txBody>
@@ -3939,8 +4144,8 @@
         </p:blipFill>
         <p:spPr>
           <a:xfrm>
-            <a:off x="541627" y="1414796"/>
-            <a:ext cx="4815926" cy="2563982"/>
+            <a:off x="541655" y="1414780"/>
+            <a:ext cx="4815840" cy="2564130"/>
           </a:xfrm>
           <a:effectLst>
             <a:outerShdw blurRad="127000" sx="101000" sy="101000" algn="ctr" rotWithShape="0">
@@ -3973,8 +4178,8 @@
         </p:blipFill>
         <p:spPr>
           <a:xfrm>
-            <a:off x="4538749" y="3098508"/>
-            <a:ext cx="6729324" cy="3087192"/>
+            <a:off x="4538980" y="3098800"/>
+            <a:ext cx="6729095" cy="3087370"/>
           </a:xfrm>
           <a:prstGeom prst="rect">
             <a:avLst/>
@@ -3998,6 +4203,14 @@
   <p:clrMapOvr>
     <a:masterClrMapping/>
   </p:clrMapOvr>
+  <mc:AlternateContent xmlns:mc="http://schemas.openxmlformats.org/markup-compatibility/2006">
+    <mc:Choice xmlns:p14="http://schemas.microsoft.com/office/powerpoint/2010/main" Requires="p14">
+      <p:transition spd="slow" p14:dur="2000"/>
+    </mc:Choice>
+    <mc:Fallback>
+      <p:transition spd="slow"/>
+    </mc:Fallback>
+  </mc:AlternateContent>
   <p:timing>
     <p:tnLst>
       <p:par>
@@ -4009,7 +4222,7 @@
 </file>
 
 <file path=ppt/slides/slide5.xml><?xml version="1.0" encoding="utf-8"?>
-<p:sld xmlns:a="http://schemas.openxmlformats.org/drawingml/2006/main" xmlns:r="http://schemas.openxmlformats.org/officeDocument/2006/relationships" xmlns:p="http://schemas.openxmlformats.org/presentationml/2006/main">
+<p:sld xmlns:a="http://schemas.openxmlformats.org/drawingml/2006/main" xmlns:r="http://schemas.openxmlformats.org/officeDocument/2006/relationships" xmlns:p="http://schemas.openxmlformats.org/presentationml/2006/main" xmlns:p14="http://schemas.microsoft.com/office/powerpoint/2010/main">
   <p:cSld>
     <p:spTree>
       <p:nvGrpSpPr>
@@ -4037,24 +4250,39 @@
         </p:nvSpPr>
         <p:spPr>
           <a:xfrm>
-            <a:off x="419793" y="185651"/>
-            <a:ext cx="9875520" cy="1356360"/>
-          </a:xfrm>
-        </p:spPr>
-        <p:txBody>
-          <a:bodyPr/>
+            <a:off x="419735" y="185420"/>
+            <a:ext cx="9876155" cy="1356995"/>
+          </a:xfrm>
+        </p:spPr>
+        <p:txBody>
+          <a:bodyPr wrap="square" lIns="91440" tIns="45720" rIns="91440" bIns="45720" numCol="1" vert="horz" anchor="ctr">
+            <a:normAutofit fontScale="100000" lnSpcReduction="0"/>
+          </a:bodyPr>
           <a:lstStyle/>
           <a:p>
-            <a:r>
-              <a:rPr lang="ko-KR" altLang="en-US" dirty="0" smtClean="0">
-                <a:latin typeface="나눔스퀘어라운드 Bold" panose="020B0600000101010101" pitchFamily="50" charset="-127"/>
-                <a:ea typeface="나눔스퀘어라운드 Bold" panose="020B0600000101010101" pitchFamily="50" charset="-127"/>
+            <a:pPr marL="0" indent="0" algn="l" fontAlgn="auto" defTabSz="914400">
+              <a:lnSpc>
+                <a:spcPct val="90000"/>
+              </a:lnSpc>
+              <a:spcBef>
+                <a:spcPts val="0"/>
+              </a:spcBef>
+              <a:spcAft>
+                <a:spcPts val="0"/>
+              </a:spcAft>
+              <a:buFontTx/>
+              <a:buNone/>
+            </a:pPr>
+            <a:r>
+              <a:rPr lang="en-US" altLang="ko-KR" sz="4400" cap="none" dirty="0" smtClean="0" b="0" strike="noStrike">
+                <a:latin typeface="나눔스퀘어라운드 Bold" charset="0"/>
+                <a:ea typeface="나눔스퀘어라운드 Bold" charset="0"/>
               </a:rPr>
-              <a:t>상세 페이지</a:t>
-            </a:r>
-            <a:endParaRPr lang="ko-KR" altLang="en-US" dirty="0">
-              <a:latin typeface="나눔스퀘어라운드 Bold" panose="020B0600000101010101" pitchFamily="50" charset="-127"/>
-              <a:ea typeface="나눔스퀘어라운드 Bold" panose="020B0600000101010101" pitchFamily="50" charset="-127"/>
+              <a:t>콘텐츠 페이지</a:t>
+            </a:r>
+            <a:endParaRPr lang="ko-KR" altLang="en-US" sz="4400" cap="none" dirty="0" smtClean="0" b="0" strike="noStrike">
+              <a:latin typeface="나눔스퀘어라운드 Bold" charset="0"/>
+              <a:ea typeface="나눔스퀘어라운드 Bold" charset="0"/>
             </a:endParaRPr>
           </a:p>
         </p:txBody>
@@ -4081,8 +4309,8 @@
         </p:blipFill>
         <p:spPr>
           <a:xfrm>
-            <a:off x="6232306" y="2933935"/>
-            <a:ext cx="5086272" cy="3520088"/>
+            <a:off x="6232525" y="2933700"/>
+            <a:ext cx="5086350" cy="3519805"/>
           </a:xfrm>
           <a:prstGeom prst="rect">
             <a:avLst/>
@@ -4118,8 +4346,8 @@
         </p:blipFill>
         <p:spPr>
           <a:xfrm>
-            <a:off x="6511331" y="527685"/>
-            <a:ext cx="4528222" cy="2221230"/>
+            <a:off x="6511290" y="527685"/>
+            <a:ext cx="4528185" cy="2221230"/>
           </a:xfrm>
           <a:prstGeom prst="rect">
             <a:avLst/>
@@ -4157,8 +4385,8 @@
         </p:blipFill>
         <p:spPr>
           <a:xfrm>
-            <a:off x="429029" y="1360054"/>
-            <a:ext cx="6333690" cy="4348018"/>
+            <a:off x="429260" y="1360170"/>
+            <a:ext cx="6333490" cy="4347845"/>
           </a:xfrm>
           <a:effectLst>
             <a:outerShdw blurRad="127000" sx="101000" sy="101000" algn="ctr" rotWithShape="0">
@@ -4179,6 +4407,14 @@
   <p:clrMapOvr>
     <a:masterClrMapping/>
   </p:clrMapOvr>
+  <mc:AlternateContent xmlns:mc="http://schemas.openxmlformats.org/markup-compatibility/2006">
+    <mc:Choice xmlns:p14="http://schemas.microsoft.com/office/powerpoint/2010/main" Requires="p14">
+      <p:transition spd="slow" p14:dur="2000"/>
+    </mc:Choice>
+    <mc:Fallback>
+      <p:transition spd="slow"/>
+    </mc:Fallback>
+  </mc:AlternateContent>
   <p:timing>
     <p:tnLst>
       <p:par>
@@ -4190,7 +4426,7 @@
 </file>
 
 <file path=ppt/slides/slide6.xml><?xml version="1.0" encoding="utf-8"?>
-<p:sld xmlns:a="http://schemas.openxmlformats.org/drawingml/2006/main" xmlns:r="http://schemas.openxmlformats.org/officeDocument/2006/relationships" xmlns:p="http://schemas.openxmlformats.org/presentationml/2006/main">
+<p:sld xmlns:a="http://schemas.openxmlformats.org/drawingml/2006/main" xmlns:r="http://schemas.openxmlformats.org/officeDocument/2006/relationships" xmlns:p="http://schemas.openxmlformats.org/presentationml/2006/main" xmlns:p14="http://schemas.microsoft.com/office/powerpoint/2010/main">
   <p:cSld>
     <p:spTree>
       <p:nvGrpSpPr>
@@ -4209,46 +4445,59 @@
       <p:sp>
         <p:nvSpPr>
           <p:cNvPr id="2" name="제목 1"/>
-          <p:cNvSpPr>
-            <a:spLocks noGrp="1"/>
+          <p:cNvSpPr txBox="1">
+            <a:spLocks/>
           </p:cNvSpPr>
           <p:nvPr>
             <p:ph type="title"/>
           </p:nvPr>
         </p:nvSpPr>
         <p:spPr>
-          <a:xfrm>
-            <a:off x="1037373" y="250160"/>
-            <a:ext cx="9875520" cy="1356360"/>
-          </a:xfrm>
-        </p:spPr>
-        <p:txBody>
-          <a:bodyPr>
-            <a:normAutofit/>
+          <a:xfrm rot="0">
+            <a:off x="1037590" y="250190"/>
+            <a:ext cx="9876155" cy="1356995"/>
+          </a:xfrm>
+          <a:prstGeom prst="rect"/>
+        </p:spPr>
+        <p:txBody>
+          <a:bodyPr wrap="square" lIns="91440" tIns="45720" rIns="91440" bIns="45720" numCol="1" vert="horz" anchor="ctr">
+            <a:normAutofit fontScale="100000" lnSpcReduction="0"/>
           </a:bodyPr>
           <a:lstStyle/>
           <a:p>
-            <a:pPr algn="ctr"/>
-            <a:r>
-              <a:rPr lang="ko-KR" altLang="en-US" sz="5000" dirty="0" smtClean="0">
+            <a:pPr marL="0" indent="0" algn="ctr" fontAlgn="auto" defTabSz="914400">
+              <a:lnSpc>
+                <a:spcPct val="90000"/>
+              </a:lnSpc>
+              <a:spcBef>
+                <a:spcPts val="0"/>
+              </a:spcBef>
+              <a:spcAft>
+                <a:spcPts val="0"/>
+              </a:spcAft>
+              <a:buFontTx/>
+              <a:buNone/>
+            </a:pPr>
+            <a:r>
+              <a:rPr lang="en-US" altLang="ko-KR" sz="5000" cap="none" dirty="0" smtClean="0" b="0" strike="noStrike">
                 <a:solidFill>
                   <a:schemeClr val="accent1">
                     <a:lumMod val="75000"/>
                   </a:schemeClr>
                 </a:solidFill>
-                <a:latin typeface="나눔스퀘어라운드 Bold" panose="020B0600000101010101" pitchFamily="50" charset="-127"/>
-                <a:ea typeface="나눔스퀘어라운드 Bold" panose="020B0600000101010101" pitchFamily="50" charset="-127"/>
+                <a:latin typeface="배달의민족 주아" charset="0"/>
+                <a:ea typeface="배달의민족 주아" charset="0"/>
               </a:rPr>
               <a:t>주제 선정 이유</a:t>
             </a:r>
-            <a:endParaRPr lang="ko-KR" altLang="en-US" sz="5000" dirty="0">
+            <a:endParaRPr lang="ko-KR" altLang="en-US" sz="5000" cap="none" dirty="0" smtClean="0" b="0" strike="noStrike">
               <a:solidFill>
                 <a:schemeClr val="accent1">
                   <a:lumMod val="75000"/>
                 </a:schemeClr>
               </a:solidFill>
-              <a:latin typeface="나눔스퀘어라운드 Bold" panose="020B0600000101010101" pitchFamily="50" charset="-127"/>
-              <a:ea typeface="나눔스퀘어라운드 Bold" panose="020B0600000101010101" pitchFamily="50" charset="-127"/>
+              <a:latin typeface="배달의민족 주아" charset="0"/>
+              <a:ea typeface="배달의민족 주아" charset="0"/>
             </a:endParaRPr>
           </a:p>
         </p:txBody>
@@ -4256,39 +4505,191 @@
       <p:sp>
         <p:nvSpPr>
           <p:cNvPr id="3" name="내용 개체 틀 2"/>
-          <p:cNvSpPr>
-            <a:spLocks noGrp="1"/>
-          </p:cNvSpPr>
-          <p:nvPr>
-            <p:ph idx="1"/>
-          </p:nvPr>
-        </p:nvSpPr>
-        <p:spPr>
-          <a:xfrm>
-            <a:off x="1037373" y="1814338"/>
-            <a:ext cx="9872871" cy="4705611"/>
-          </a:xfrm>
-        </p:spPr>
-        <p:txBody>
-          <a:bodyPr/>
+          <p:cNvSpPr txBox="1">
+            <a:spLocks/>
+          </p:cNvSpPr>
+          <p:nvPr>
+            <p:ph type="obj" idx="1"/>
+          </p:nvPr>
+        </p:nvSpPr>
+        <p:spPr>
+          <a:xfrm rot="0">
+            <a:off x="1037590" y="1717040"/>
+            <a:ext cx="9873615" cy="4705985"/>
+          </a:xfrm>
+          <a:prstGeom prst="rect"/>
+        </p:spPr>
+        <p:txBody>
+          <a:bodyPr wrap="square" lIns="91440" tIns="45720" rIns="91440" bIns="45720" numCol="1" vert="horz" anchor="t">
+            <a:normAutofit fontScale="100000" lnSpcReduction="0"/>
+          </a:bodyPr>
           <a:lstStyle/>
           <a:p>
-            <a:r>
-              <a:rPr lang="ko-KR" altLang="en-US" dirty="0" smtClean="0">
-                <a:latin typeface="빙그레체" panose="02030503000000000000" pitchFamily="18" charset="-127"/>
-                <a:ea typeface="빙그레체" panose="02030503000000000000" pitchFamily="18" charset="-127"/>
+            <a:pPr marL="228600" indent="-182880" algn="l" fontAlgn="auto" defTabSz="914400">
+              <a:lnSpc>
+                <a:spcPct val="90000"/>
+              </a:lnSpc>
+              <a:spcBef>
+                <a:spcPts val="1400"/>
+              </a:spcBef>
+              <a:spcAft>
+                <a:spcPts val="0"/>
+              </a:spcAft>
+              <a:buClr>
+                <a:srgbClr val="A6B727"/>
+              </a:buClr>
+              <a:buSzPct val="80000"/>
+              <a:buFont typeface="Corbel"/>
+              <a:buChar char="•"/>
+            </a:pPr>
+            <a:r>
+              <a:rPr lang="en-US" altLang="ko-KR" sz="3200" cap="none" dirty="0" smtClean="0" b="0" strike="noStrike">
+                <a:latin typeface="서울남산체 B" charset="0"/>
+                <a:ea typeface="서울남산체 B" charset="0"/>
               </a:rPr>
-              <a:t>홈페이지의 구조가 깔끔하고 획일화된 섹션들이 눈에 잘 보임</a:t>
-            </a:r>
-            <a:endParaRPr lang="en-US" altLang="ko-KR" dirty="0" smtClean="0">
-              <a:latin typeface="빙그레체" panose="02030503000000000000" pitchFamily="18" charset="-127"/>
-              <a:ea typeface="빙그레체" panose="02030503000000000000" pitchFamily="18" charset="-127"/>
+              <a:t>다양한 품목을 취급하는 브랜드여서 깔끔하게 구성하기 좋은 표본이 될 것 같았다.</a:t>
+            </a:r>
+            <a:endParaRPr lang="ko-KR" altLang="en-US" sz="3200" cap="none" dirty="0" smtClean="0" b="0" strike="noStrike">
+              <a:latin typeface="서울남산체 B" charset="0"/>
+              <a:ea typeface="서울남산체 B" charset="0"/>
             </a:endParaRPr>
           </a:p>
           <a:p>
-            <a:endParaRPr lang="en-US" altLang="ko-KR" dirty="0">
-              <a:latin typeface="빙그레체" panose="02030503000000000000" pitchFamily="18" charset="-127"/>
-              <a:ea typeface="빙그레체" panose="02030503000000000000" pitchFamily="18" charset="-127"/>
+            <a:pPr marL="228600" indent="-182880" algn="l" fontAlgn="auto" defTabSz="914400">
+              <a:lnSpc>
+                <a:spcPct val="90000"/>
+              </a:lnSpc>
+              <a:spcBef>
+                <a:spcPts val="1400"/>
+              </a:spcBef>
+              <a:spcAft>
+                <a:spcPts val="0"/>
+              </a:spcAft>
+              <a:buClr>
+                <a:srgbClr val="A6B727"/>
+              </a:buClr>
+              <a:buSzPct val="80000"/>
+              <a:buFont typeface="Corbel"/>
+              <a:buChar char="•"/>
+            </a:pPr>
+            <a:endParaRPr lang="ko-KR" altLang="en-US" sz="3200" cap="none" dirty="0" smtClean="0" b="0" strike="noStrike">
+              <a:latin typeface="서울남산체 B" charset="0"/>
+              <a:ea typeface="서울남산체 B" charset="0"/>
+            </a:endParaRPr>
+          </a:p>
+          <a:p>
+            <a:pPr marL="228600" indent="-182880" algn="l" fontAlgn="auto" defTabSz="914400">
+              <a:lnSpc>
+                <a:spcPct val="90000"/>
+              </a:lnSpc>
+              <a:spcBef>
+                <a:spcPts val="1400"/>
+              </a:spcBef>
+              <a:spcAft>
+                <a:spcPts val="0"/>
+              </a:spcAft>
+              <a:buClr>
+                <a:srgbClr val="A6B727"/>
+              </a:buClr>
+              <a:buSzPct val="80000"/>
+              <a:buFont typeface="Corbel"/>
+              <a:buChar char="•"/>
+            </a:pPr>
+            <a:endParaRPr lang="ko-KR" altLang="en-US" sz="3200" cap="none" dirty="0" smtClean="0" b="0" strike="noStrike">
+              <a:latin typeface="서울남산체 B" charset="0"/>
+              <a:ea typeface="서울남산체 B" charset="0"/>
+            </a:endParaRPr>
+          </a:p>
+          <a:p>
+            <a:pPr marL="228600" indent="-182880" algn="l" fontAlgn="auto" defTabSz="914400">
+              <a:lnSpc>
+                <a:spcPct val="90000"/>
+              </a:lnSpc>
+              <a:spcBef>
+                <a:spcPts val="1400"/>
+              </a:spcBef>
+              <a:spcAft>
+                <a:spcPts val="0"/>
+              </a:spcAft>
+              <a:buClr>
+                <a:srgbClr val="A6B727"/>
+              </a:buClr>
+              <a:buSzPct val="80000"/>
+              <a:buFont typeface="Corbel"/>
+              <a:buChar char="•"/>
+            </a:pPr>
+            <a:endParaRPr lang="ko-KR" altLang="en-US" sz="3200" cap="none" dirty="0" smtClean="0" b="0" strike="noStrike">
+              <a:latin typeface="서울남산체 B" charset="0"/>
+              <a:ea typeface="서울남산체 B" charset="0"/>
+            </a:endParaRPr>
+          </a:p>
+          <a:p>
+            <a:pPr marL="228600" indent="-182880" algn="l" fontAlgn="auto" defTabSz="914400">
+              <a:lnSpc>
+                <a:spcPct val="90000"/>
+              </a:lnSpc>
+              <a:spcBef>
+                <a:spcPts val="1400"/>
+              </a:spcBef>
+              <a:spcAft>
+                <a:spcPts val="0"/>
+              </a:spcAft>
+              <a:buClr>
+                <a:srgbClr val="A6B727"/>
+              </a:buClr>
+              <a:buSzPct val="80000"/>
+              <a:buFont typeface="Corbel"/>
+              <a:buChar char="•"/>
+            </a:pPr>
+            <a:endParaRPr lang="ko-KR" altLang="en-US" sz="3200" cap="none" dirty="0" smtClean="0" b="0" strike="noStrike">
+              <a:latin typeface="서울남산체 B" charset="0"/>
+              <a:ea typeface="서울남산체 B" charset="0"/>
+            </a:endParaRPr>
+          </a:p>
+          <a:p>
+            <a:pPr marL="228600" indent="-182880" algn="l" fontAlgn="auto" defTabSz="914400">
+              <a:lnSpc>
+                <a:spcPct val="90000"/>
+              </a:lnSpc>
+              <a:spcBef>
+                <a:spcPts val="1400"/>
+              </a:spcBef>
+              <a:spcAft>
+                <a:spcPts val="0"/>
+              </a:spcAft>
+              <a:buClr>
+                <a:srgbClr val="A6B727"/>
+              </a:buClr>
+              <a:buSzPct val="80000"/>
+              <a:buFont typeface="Corbel"/>
+              <a:buChar char="•"/>
+            </a:pPr>
+            <a:endParaRPr lang="ko-KR" altLang="en-US" sz="2200" cap="none" dirty="0" smtClean="0" b="0" strike="noStrike">
+              <a:latin typeface="빙그레체" charset="0"/>
+              <a:ea typeface="빙그레체" charset="0"/>
+            </a:endParaRPr>
+          </a:p>
+          <a:p>
+            <a:pPr marL="228600" indent="-182880" algn="l" fontAlgn="auto" defTabSz="914400">
+              <a:lnSpc>
+                <a:spcPct val="90000"/>
+              </a:lnSpc>
+              <a:spcBef>
+                <a:spcPts val="1400"/>
+              </a:spcBef>
+              <a:spcAft>
+                <a:spcPts val="0"/>
+              </a:spcAft>
+              <a:buClr>
+                <a:srgbClr val="A6B727"/>
+              </a:buClr>
+              <a:buSzPct val="80000"/>
+              <a:buFont typeface="Corbel"/>
+              <a:buChar char="•"/>
+            </a:pPr>
+            <a:endParaRPr lang="ko-KR" altLang="en-US" sz="2200" cap="none" dirty="0" smtClean="0" b="0" strike="noStrike">
+              <a:latin typeface="빙그레체" charset="0"/>
+              <a:ea typeface="빙그레체" charset="0"/>
             </a:endParaRPr>
           </a:p>
         </p:txBody>
@@ -4301,8 +4702,8 @@
         </p:nvCxnSpPr>
         <p:spPr>
           <a:xfrm flipV="1">
-            <a:off x="756458" y="1396538"/>
-            <a:ext cx="10440000" cy="0"/>
+            <a:off x="756285" y="1396365"/>
+            <a:ext cx="10440035" cy="0"/>
           </a:xfrm>
           <a:prstGeom prst="line">
             <a:avLst/>
@@ -4334,6 +4735,1175 @@
   <p:clrMapOvr>
     <a:masterClrMapping/>
   </p:clrMapOvr>
+  <mc:AlternateContent xmlns:mc="http://schemas.openxmlformats.org/markup-compatibility/2006">
+    <mc:Choice xmlns:p14="http://schemas.microsoft.com/office/powerpoint/2010/main" Requires="p14">
+      <p:transition spd="slow" p14:dur="2000"/>
+    </mc:Choice>
+    <mc:Fallback>
+      <p:transition spd="slow"/>
+    </mc:Fallback>
+  </mc:AlternateContent>
+  <p:timing>
+    <p:tnLst>
+      <p:par>
+        <p:cTn id="1" dur="indefinite" restart="never" nodeType="tmRoot"/>
+      </p:par>
+    </p:tnLst>
+  </p:timing>
+</p:sld>
+</file>
+
+<file path=ppt/slides/slide7.xml><?xml version="1.0" encoding="utf-8"?>
+<p:sld xmlns:a="http://schemas.openxmlformats.org/drawingml/2006/main" xmlns:r="http://schemas.openxmlformats.org/officeDocument/2006/relationships" xmlns:p="http://schemas.openxmlformats.org/presentationml/2006/main">
+  <p:cSld>
+    <p:spTree>
+      <p:nvGrpSpPr>
+        <p:cNvPr id="1" name=""/>
+        <p:cNvGrpSpPr/>
+        <p:nvPr/>
+      </p:nvGrpSpPr>
+      <p:grpSpPr>
+        <a:xfrm>
+          <a:off x="0" y="0"/>
+          <a:ext cx="0" cy="0"/>
+          <a:chOff x="0" y="0"/>
+          <a:chExt cx="0" cy="0"/>
+        </a:xfrm>
+      </p:grpSpPr>
+      <p:sp>
+        <p:nvSpPr>
+          <p:cNvPr id="2" name="텍스트 개체 틀 1"/>
+          <p:cNvSpPr txBox="1">
+            <a:spLocks/>
+          </p:cNvSpPr>
+          <p:nvPr>
+            <p:ph type="title"/>
+          </p:nvPr>
+        </p:nvSpPr>
+        <p:spPr>
+          <a:xfrm rot="0">
+            <a:off x="1037590" y="250190"/>
+            <a:ext cx="9876155" cy="1356995"/>
+          </a:xfrm>
+          <a:prstGeom prst="rect"/>
+        </p:spPr>
+        <p:txBody>
+          <a:bodyPr wrap="square" lIns="91440" tIns="45720" rIns="91440" bIns="45720" vert="horz" anchor="ctr">
+            <a:normAutofit fontScale="100000" lnSpcReduction="0"/>
+          </a:bodyPr>
+          <a:lstStyle/>
+          <a:p>
+            <a:pPr marL="0" indent="0" algn="ctr" fontAlgn="auto" defTabSz="914400">
+              <a:lnSpc>
+                <a:spcPct val="90000"/>
+              </a:lnSpc>
+              <a:spcBef>
+                <a:spcPts val="0"/>
+              </a:spcBef>
+              <a:spcAft>
+                <a:spcPts val="0"/>
+              </a:spcAft>
+              <a:buFontTx/>
+              <a:buNone/>
+            </a:pPr>
+            <a:r>
+              <a:rPr lang="en-US" altLang="ko-KR" sz="5000" cap="none" dirty="0" smtClean="0" b="0" strike="noStrike">
+                <a:solidFill>
+                  <a:schemeClr val="accent1">
+                    <a:lumMod val="75000"/>
+                  </a:schemeClr>
+                </a:solidFill>
+                <a:latin typeface="배달의민족 주아" charset="0"/>
+                <a:ea typeface="배달의민족 주아" charset="0"/>
+              </a:rPr>
+              <a:t>사이트 제작 목표</a:t>
+            </a:r>
+            <a:endParaRPr lang="ko-KR" altLang="en-US" sz="5000" cap="none" dirty="0" smtClean="0" b="0" strike="noStrike">
+              <a:solidFill>
+                <a:schemeClr val="accent1">
+                  <a:lumMod val="75000"/>
+                </a:schemeClr>
+              </a:solidFill>
+              <a:latin typeface="배달의민족 주아" charset="0"/>
+              <a:ea typeface="배달의민족 주아" charset="0"/>
+            </a:endParaRPr>
+          </a:p>
+        </p:txBody>
+      </p:sp>
+      <p:sp>
+        <p:nvSpPr>
+          <p:cNvPr id="3" name="내용 개체 틀 2"/>
+          <p:cNvSpPr txBox="1">
+            <a:spLocks/>
+          </p:cNvSpPr>
+          <p:nvPr>
+            <p:ph type="obj" idx="1"/>
+          </p:nvPr>
+        </p:nvSpPr>
+        <p:spPr>
+          <a:xfrm rot="0">
+            <a:off x="875030" y="1605280"/>
+            <a:ext cx="9873615" cy="4705985"/>
+          </a:xfrm>
+          <a:prstGeom prst="rect"/>
+        </p:spPr>
+        <p:txBody>
+          <a:bodyPr wrap="square" lIns="91440" tIns="45720" rIns="91440" bIns="45720" vert="horz" anchor="t">
+            <a:normAutofit fontScale="55000" lnSpcReduction="0"/>
+          </a:bodyPr>
+          <a:lstStyle/>
+          <a:p>
+            <a:pPr marL="228600" indent="-182880" algn="l" fontAlgn="auto" defTabSz="914400">
+              <a:lnSpc>
+                <a:spcPct val="90000"/>
+              </a:lnSpc>
+              <a:spcBef>
+                <a:spcPts val="1400"/>
+              </a:spcBef>
+              <a:spcAft>
+                <a:spcPts val="0"/>
+              </a:spcAft>
+              <a:buClr>
+                <a:srgbClr val="A6B727"/>
+              </a:buClr>
+              <a:buSzPct val="80000"/>
+              <a:buFont typeface="Corbel"/>
+              <a:buChar char="•"/>
+            </a:pPr>
+            <a:r>
+              <a:rPr lang="en-US" altLang="ko-KR" sz="4000" cap="none" dirty="0" smtClean="0" b="0" strike="noStrike">
+                <a:latin typeface="서울남산체 B" charset="0"/>
+                <a:ea typeface="서울남산체 B" charset="0"/>
+              </a:rPr>
+              <a:t>메인 페이지에 나열되어 있는 카테고리 섹션을 지루하지 않게 배치, 포지셔닝</a:t>
+            </a:r>
+            <a:endParaRPr lang="ko-KR" altLang="en-US" sz="4000" cap="none" dirty="0" smtClean="0" b="0" strike="noStrike">
+              <a:latin typeface="서울남산체 B" charset="0"/>
+              <a:ea typeface="서울남산체 B" charset="0"/>
+            </a:endParaRPr>
+          </a:p>
+          <a:p>
+            <a:pPr marL="228600" indent="-182880" algn="l" fontAlgn="auto" defTabSz="914400">
+              <a:lnSpc>
+                <a:spcPct val="90000"/>
+              </a:lnSpc>
+              <a:spcBef>
+                <a:spcPts val="1400"/>
+              </a:spcBef>
+              <a:spcAft>
+                <a:spcPts val="0"/>
+              </a:spcAft>
+              <a:buClr>
+                <a:srgbClr val="A6B727"/>
+              </a:buClr>
+              <a:buSzPct val="80000"/>
+              <a:buFont typeface="Corbel"/>
+              <a:buChar char="•"/>
+            </a:pPr>
+            <a:endParaRPr lang="ko-KR" altLang="en-US" sz="4000" cap="none" dirty="0" smtClean="0" b="0" strike="noStrike">
+              <a:latin typeface="서울남산체 B" charset="0"/>
+              <a:ea typeface="서울남산체 B" charset="0"/>
+            </a:endParaRPr>
+          </a:p>
+          <a:p>
+            <a:pPr marL="228600" indent="-182880" algn="l" fontAlgn="auto" defTabSz="914400">
+              <a:lnSpc>
+                <a:spcPct val="90000"/>
+              </a:lnSpc>
+              <a:spcBef>
+                <a:spcPts val="1400"/>
+              </a:spcBef>
+              <a:spcAft>
+                <a:spcPts val="0"/>
+              </a:spcAft>
+              <a:buClr>
+                <a:srgbClr val="A6B727"/>
+              </a:buClr>
+              <a:buSzPct val="80000"/>
+              <a:buFont typeface="Corbel"/>
+              <a:buChar char="•"/>
+            </a:pPr>
+            <a:r>
+              <a:rPr lang="en-US" altLang="ko-KR" sz="4000" cap="none" dirty="0" smtClean="0" b="0" strike="noStrike">
+                <a:latin typeface="서울남산체 B" charset="0"/>
+                <a:ea typeface="서울남산체 B" charset="0"/>
+              </a:rPr>
+              <a:t>메인 페이지의 스와이프 배경색을 메인색상과 차별화를 두어 구분하여 볼 수 있게 변경</a:t>
+            </a:r>
+            <a:endParaRPr lang="ko-KR" altLang="en-US" sz="4000" cap="none" dirty="0" smtClean="0" b="0" strike="noStrike">
+              <a:latin typeface="서울남산체 B" charset="0"/>
+              <a:ea typeface="서울남산체 B" charset="0"/>
+            </a:endParaRPr>
+          </a:p>
+          <a:p>
+            <a:pPr marL="228600" indent="-182880" algn="l" fontAlgn="auto" defTabSz="914400">
+              <a:lnSpc>
+                <a:spcPct val="90000"/>
+              </a:lnSpc>
+              <a:spcBef>
+                <a:spcPts val="1400"/>
+              </a:spcBef>
+              <a:spcAft>
+                <a:spcPts val="0"/>
+              </a:spcAft>
+              <a:buClr>
+                <a:srgbClr val="A6B727"/>
+              </a:buClr>
+              <a:buSzPct val="80000"/>
+              <a:buFont typeface="Corbel"/>
+              <a:buChar char="•"/>
+            </a:pPr>
+            <a:endParaRPr lang="ko-KR" altLang="en-US" sz="4000" cap="none" dirty="0" smtClean="0" b="0" strike="noStrike">
+              <a:latin typeface="서울남산체 B" charset="0"/>
+              <a:ea typeface="서울남산체 B" charset="0"/>
+            </a:endParaRPr>
+          </a:p>
+          <a:p>
+            <a:pPr marL="228600" indent="-182880" algn="l" fontAlgn="auto" defTabSz="914400">
+              <a:lnSpc>
+                <a:spcPct val="90000"/>
+              </a:lnSpc>
+              <a:spcBef>
+                <a:spcPts val="1400"/>
+              </a:spcBef>
+              <a:spcAft>
+                <a:spcPts val="0"/>
+              </a:spcAft>
+              <a:buClr>
+                <a:srgbClr val="A6B727"/>
+              </a:buClr>
+              <a:buSzPct val="80000"/>
+              <a:buFont typeface="Corbel"/>
+              <a:buChar char="•"/>
+            </a:pPr>
+            <a:r>
+              <a:rPr lang="en-US" altLang="ko-KR" sz="4000" cap="none" dirty="0" smtClean="0" b="0" strike="noStrike">
+                <a:latin typeface="서울남산체 B" charset="0"/>
+                <a:ea typeface="서울남산체 B" charset="0"/>
+              </a:rPr>
+              <a:t>보다 편한 쇼핑을 할 수 있도록 이벤트 배너 등이 표시되는 사이드바와 	              스크롤 시 담기, 구매 버튼등이 화면에 고정되게 하는 레이아웃을 추가</a:t>
+            </a:r>
+            <a:endParaRPr lang="ko-KR" altLang="en-US" sz="4000" cap="none" dirty="0" smtClean="0" b="0" strike="noStrike">
+              <a:latin typeface="서울남산체 B" charset="0"/>
+              <a:ea typeface="서울남산체 B" charset="0"/>
+            </a:endParaRPr>
+          </a:p>
+          <a:p>
+            <a:pPr marL="228600" indent="-182880" algn="l" fontAlgn="auto" defTabSz="914400">
+              <a:lnSpc>
+                <a:spcPct val="90000"/>
+              </a:lnSpc>
+              <a:spcBef>
+                <a:spcPts val="1400"/>
+              </a:spcBef>
+              <a:spcAft>
+                <a:spcPts val="0"/>
+              </a:spcAft>
+              <a:buClr>
+                <a:srgbClr val="A6B727"/>
+              </a:buClr>
+              <a:buSzPct val="80000"/>
+              <a:buFont typeface="Corbel"/>
+              <a:buChar char="•"/>
+            </a:pPr>
+            <a:endParaRPr lang="ko-KR" altLang="en-US" sz="3200" cap="none" dirty="0" smtClean="0" b="0" strike="noStrike">
+              <a:latin typeface="서울남산체 B" charset="0"/>
+              <a:ea typeface="서울남산체 B" charset="0"/>
+            </a:endParaRPr>
+          </a:p>
+          <a:p>
+            <a:pPr marL="228600" indent="-182880" algn="l" fontAlgn="auto" defTabSz="914400">
+              <a:lnSpc>
+                <a:spcPct val="90000"/>
+              </a:lnSpc>
+              <a:spcBef>
+                <a:spcPts val="1400"/>
+              </a:spcBef>
+              <a:spcAft>
+                <a:spcPts val="0"/>
+              </a:spcAft>
+              <a:buClr>
+                <a:srgbClr val="A6B727"/>
+              </a:buClr>
+              <a:buSzPct val="80000"/>
+              <a:buFont typeface="Corbel"/>
+              <a:buChar char="•"/>
+            </a:pPr>
+            <a:endParaRPr lang="ko-KR" altLang="en-US" sz="2200" cap="none" dirty="0" smtClean="0" b="0" strike="noStrike">
+              <a:latin typeface="빙그레체" charset="0"/>
+              <a:ea typeface="빙그레체" charset="0"/>
+            </a:endParaRPr>
+          </a:p>
+          <a:p>
+            <a:pPr marL="228600" indent="-182880" algn="l" fontAlgn="auto" defTabSz="914400">
+              <a:lnSpc>
+                <a:spcPct val="90000"/>
+              </a:lnSpc>
+              <a:spcBef>
+                <a:spcPts val="1400"/>
+              </a:spcBef>
+              <a:spcAft>
+                <a:spcPts val="0"/>
+              </a:spcAft>
+              <a:buClr>
+                <a:srgbClr val="A6B727"/>
+              </a:buClr>
+              <a:buSzPct val="80000"/>
+              <a:buFont typeface="Corbel"/>
+              <a:buChar char="•"/>
+            </a:pPr>
+            <a:endParaRPr lang="ko-KR" altLang="en-US" sz="2200" cap="none" dirty="0" smtClean="0" b="0" strike="noStrike">
+              <a:latin typeface="빙그레체" charset="0"/>
+              <a:ea typeface="빙그레체" charset="0"/>
+            </a:endParaRPr>
+          </a:p>
+        </p:txBody>
+      </p:sp>
+      <p:cxnSp>
+        <p:nvCxnSpPr>
+          <p:cNvPr id="5" name="직선 연결선 4"/>
+          <p:cNvCxnSpPr/>
+          <p:nvPr/>
+        </p:nvCxnSpPr>
+        <p:spPr>
+          <a:xfrm rot="0" flipV="1">
+            <a:off x="756285" y="1396365"/>
+            <a:ext cx="10440670" cy="635"/>
+          </a:xfrm>
+          <a:prstGeom prst="line"/>
+          <a:ln w="28575" cap="flat" cmpd="sng">
+            <a:solidFill>
+              <a:schemeClr val="accent1">
+                <a:alpha val="100000"/>
+              </a:schemeClr>
+            </a:solidFill>
+            <a:prstDash/>
+          </a:ln>
+        </p:spPr>
+        <p:style>
+          <a:lnRef idx="1">
+            <a:schemeClr val="accent1"/>
+          </a:lnRef>
+          <a:fillRef idx="0">
+            <a:schemeClr val="accent1"/>
+          </a:fillRef>
+          <a:effectRef idx="0">
+            <a:schemeClr val="accent1"/>
+          </a:effectRef>
+          <a:fontRef idx="minor">
+            <a:schemeClr val="tx1"/>
+          </a:fontRef>
+        </p:style>
+      </p:cxnSp>
+    </p:spTree>
+  </p:cSld>
+  <p:clrMapOvr>
+    <a:masterClrMapping/>
+  </p:clrMapOvr>
+  <mc:AlternateContent xmlns:mc="http://schemas.openxmlformats.org/markup-compatibility/2006">
+    <mc:Choice xmlns:p14="http://schemas.microsoft.com/office/powerpoint/2010/main" Requires="p14">
+      <p:transition spd="slow" p14:dur="2000"/>
+    </mc:Choice>
+    <mc:Fallback>
+      <p:transition spd="slow"/>
+    </mc:Fallback>
+  </mc:AlternateContent>
+  <p:timing>
+    <p:tnLst>
+      <p:par>
+        <p:cTn id="1" dur="indefinite" restart="never" nodeType="tmRoot"/>
+      </p:par>
+    </p:tnLst>
+  </p:timing>
+</p:sld>
+</file>
+
+<file path=ppt/slides/slide8.xml><?xml version="1.0" encoding="utf-8"?>
+<p:sld xmlns:a="http://schemas.openxmlformats.org/drawingml/2006/main" xmlns:r="http://schemas.openxmlformats.org/officeDocument/2006/relationships" xmlns:p="http://schemas.openxmlformats.org/presentationml/2006/main">
+  <p:cSld>
+    <p:spTree>
+      <p:nvGrpSpPr>
+        <p:cNvPr id="1" name=""/>
+        <p:cNvGrpSpPr/>
+        <p:nvPr/>
+      </p:nvGrpSpPr>
+      <p:grpSpPr>
+        <a:xfrm>
+          <a:off x="0" y="0"/>
+          <a:ext cx="0" cy="0"/>
+          <a:chOff x="0" y="0"/>
+          <a:chExt cx="0" cy="0"/>
+        </a:xfrm>
+      </p:grpSpPr>
+      <p:sp>
+        <p:nvSpPr>
+          <p:cNvPr id="2" name="텍스트 개체 틀 1"/>
+          <p:cNvSpPr txBox="1">
+            <a:spLocks/>
+          </p:cNvSpPr>
+          <p:nvPr>
+            <p:ph type="title"/>
+          </p:nvPr>
+        </p:nvSpPr>
+        <p:spPr>
+          <a:xfrm rot="0">
+            <a:off x="1037590" y="250190"/>
+            <a:ext cx="9876155" cy="1356995"/>
+          </a:xfrm>
+          <a:prstGeom prst="rect"/>
+        </p:spPr>
+        <p:txBody>
+          <a:bodyPr wrap="square" lIns="91440" tIns="45720" rIns="91440" bIns="45720" vert="horz" anchor="ctr">
+            <a:normAutofit fontScale="100000" lnSpcReduction="0"/>
+          </a:bodyPr>
+          <a:lstStyle/>
+          <a:p>
+            <a:pPr marL="0" indent="0" algn="ctr" fontAlgn="auto" defTabSz="914400">
+              <a:lnSpc>
+                <a:spcPct val="90000"/>
+              </a:lnSpc>
+              <a:spcBef>
+                <a:spcPts val="0"/>
+              </a:spcBef>
+              <a:spcAft>
+                <a:spcPts val="0"/>
+              </a:spcAft>
+              <a:buFontTx/>
+              <a:buNone/>
+            </a:pPr>
+            <a:r>
+              <a:rPr lang="en-US" altLang="ko-KR" sz="5000" cap="none" dirty="0" smtClean="0" b="0" strike="noStrike">
+                <a:solidFill>
+                  <a:schemeClr val="accent1">
+                    <a:lumMod val="75000"/>
+                  </a:schemeClr>
+                </a:solidFill>
+                <a:latin typeface="배달의민족 주아" charset="0"/>
+                <a:ea typeface="배달의민족 주아" charset="0"/>
+              </a:rPr>
+              <a:t>경쟁사 비교/분석</a:t>
+            </a:r>
+            <a:endParaRPr lang="ko-KR" altLang="en-US" sz="5000" cap="none" dirty="0" smtClean="0" b="0" strike="noStrike">
+              <a:solidFill>
+                <a:schemeClr val="accent1">
+                  <a:lumMod val="75000"/>
+                </a:schemeClr>
+              </a:solidFill>
+              <a:latin typeface="배달의민족 주아" charset="0"/>
+              <a:ea typeface="배달의민족 주아" charset="0"/>
+            </a:endParaRPr>
+          </a:p>
+        </p:txBody>
+      </p:sp>
+      <p:pic>
+        <p:nvPicPr>
+          <p:cNvPr id="3" name="내용 개체 틀 2" descr="C:/Users/User/AppData/Roaming/PolarisOffice/ETemp/26796_18548248/fImage9369912941.jpeg"/>
+          <p:cNvPicPr>
+            <a:picLocks noChangeAspect="1"/>
+          </p:cNvPicPr>
+          <p:nvPr>
+            <p:ph type="obj" idx="1"/>
+          </p:nvPr>
+        </p:nvPicPr>
+        <p:blipFill rotWithShape="1">
+          <a:blip r:embed="rId2">
+            <a:extLst>
+              <a:ext uri="{28A0092B-C50C-407E-A947-70E740481C1C}">
+                <a14:useLocalDpi xmlns:a14="http://schemas.microsoft.com/office/drawing/2010/main" val="0"/>
+              </a:ext>
+            </a:extLst>
+          </a:blip>
+          <a:srcRect/>
+          <a:stretch>
+            <a:fillRect/>
+          </a:stretch>
+        </p:blipFill>
+        <p:spPr>
+          <a:xfrm rot="0">
+            <a:off x="511810" y="1834515"/>
+            <a:ext cx="3215005" cy="4039235"/>
+          </a:xfrm>
+          <a:prstGeom prst="rect"/>
+          <a:noFill/>
+          <a:effectLst>
+            <a:outerShdw sx="102000" sy="102000" blurRad="63500" dist="0" dir="0" rotWithShape="0" algn="ctr">
+              <a:srgbClr val="000000">
+                <a:alpha val="40000"/>
+              </a:srgbClr>
+            </a:outerShdw>
+          </a:effectLst>
+        </p:spPr>
+      </p:pic>
+      <p:cxnSp>
+        <p:nvCxnSpPr>
+          <p:cNvPr id="5" name="직선 연결선 4"/>
+          <p:cNvCxnSpPr/>
+          <p:nvPr/>
+        </p:nvCxnSpPr>
+        <p:spPr>
+          <a:xfrm rot="0" flipV="1">
+            <a:off x="756285" y="1396365"/>
+            <a:ext cx="10440670" cy="635"/>
+          </a:xfrm>
+          <a:prstGeom prst="line"/>
+          <a:ln w="28575" cap="flat" cmpd="sng">
+            <a:solidFill>
+              <a:schemeClr val="accent1">
+                <a:alpha val="100000"/>
+              </a:schemeClr>
+            </a:solidFill>
+            <a:prstDash/>
+          </a:ln>
+        </p:spPr>
+        <p:style>
+          <a:lnRef idx="1">
+            <a:schemeClr val="accent1"/>
+          </a:lnRef>
+          <a:fillRef idx="0">
+            <a:schemeClr val="accent1"/>
+          </a:fillRef>
+          <a:effectRef idx="0">
+            <a:schemeClr val="accent1"/>
+          </a:effectRef>
+          <a:fontRef idx="minor">
+            <a:schemeClr val="tx1"/>
+          </a:fontRef>
+        </p:style>
+      </p:cxnSp>
+      <p:pic>
+        <p:nvPicPr>
+          <p:cNvPr id="6" name="그림 5" descr="C:/Users/User/AppData/Roaming/PolarisOffice/ETemp/26796_18548248/fImage807501308467.jpeg"/>
+          <p:cNvPicPr>
+            <a:picLocks noChangeAspect="1"/>
+          </p:cNvPicPr>
+          <p:nvPr/>
+        </p:nvPicPr>
+        <p:blipFill rotWithShape="1">
+          <a:blip r:embed="rId3">
+            <a:extLst>
+              <a:ext uri="{28A0092B-C50C-407E-A947-70E740481C1C}">
+                <a14:useLocalDpi xmlns:a14="http://schemas.microsoft.com/office/drawing/2010/main" val="0"/>
+              </a:ext>
+            </a:extLst>
+          </a:blip>
+          <a:stretch>
+            <a:fillRect/>
+          </a:stretch>
+        </p:blipFill>
+        <p:spPr>
+          <a:xfrm rot="0">
+            <a:off x="3908425" y="1835150"/>
+            <a:ext cx="3267075" cy="4038600"/>
+          </a:xfrm>
+          <a:prstGeom prst="rect"/>
+          <a:noFill/>
+          <a:effectLst>
+            <a:outerShdw sx="102000" sy="102000" blurRad="63500" dist="0" dir="0" rotWithShape="0" algn="ctr">
+              <a:srgbClr val="000000">
+                <a:alpha val="40000"/>
+              </a:srgbClr>
+            </a:outerShdw>
+          </a:effectLst>
+        </p:spPr>
+      </p:pic>
+      <p:sp>
+        <p:nvSpPr>
+          <p:cNvPr id="7" name="내용 개체 틀 6"/>
+          <p:cNvSpPr txBox="1">
+            <a:spLocks/>
+          </p:cNvSpPr>
+          <p:nvPr>
+            <p:ph type="obj" idx="2"/>
+          </p:nvPr>
+        </p:nvSpPr>
+        <p:spPr>
+          <a:xfrm rot="0">
+            <a:off x="7518400" y="2505710"/>
+            <a:ext cx="3693160" cy="4490085"/>
+          </a:xfrm>
+          <a:prstGeom prst="rect"/>
+        </p:spPr>
+        <p:txBody>
+          <a:bodyPr wrap="square" lIns="91440" tIns="45720" rIns="91440" bIns="45720" vert="horz" anchor="t">
+            <a:normAutofit fontScale="100000" lnSpcReduction="0"/>
+          </a:bodyPr>
+          <a:lstStyle/>
+          <a:p>
+            <a:pPr marL="228600" indent="-182880" algn="l" fontAlgn="auto" defTabSz="914400">
+              <a:lnSpc>
+                <a:spcPct val="90000"/>
+              </a:lnSpc>
+              <a:spcBef>
+                <a:spcPts val="1400"/>
+              </a:spcBef>
+              <a:spcAft>
+                <a:spcPts val="0"/>
+              </a:spcAft>
+              <a:buClr>
+                <a:srgbClr val="A6B727"/>
+              </a:buClr>
+              <a:buSzPct val="80000"/>
+              <a:buFont typeface="Corbel"/>
+              <a:buChar char="•"/>
+            </a:pPr>
+            <a:r>
+              <a:rPr lang="en-US" altLang="ko-KR" sz="2000" cap="none" dirty="0" smtClean="0" b="0" strike="noStrike">
+                <a:latin typeface="서울남산체 B" charset="0"/>
+                <a:ea typeface="서울남산체 B" charset="0"/>
+              </a:rPr>
+              <a:t>메인페이지에 카테고리들이 나열되어있지만 흥미를 유발하는 텍스트와 컬러감을 추가한 이미지들의 나열로 지루하지 않음.</a:t>
+            </a:r>
+            <a:endParaRPr lang="ko-KR" altLang="en-US" sz="2000" cap="none" dirty="0" smtClean="0" b="0" strike="noStrike">
+              <a:latin typeface="서울남산체 B" charset="0"/>
+              <a:ea typeface="서울남산체 B" charset="0"/>
+            </a:endParaRPr>
+          </a:p>
+          <a:p>
+            <a:pPr marL="228600" indent="-182880" algn="l" fontAlgn="auto" defTabSz="914400">
+              <a:lnSpc>
+                <a:spcPct val="90000"/>
+              </a:lnSpc>
+              <a:spcBef>
+                <a:spcPts val="1400"/>
+              </a:spcBef>
+              <a:spcAft>
+                <a:spcPts val="0"/>
+              </a:spcAft>
+              <a:buClr>
+                <a:srgbClr val="A6B727"/>
+              </a:buClr>
+              <a:buSzPct val="80000"/>
+              <a:buFont typeface="Corbel"/>
+              <a:buChar char="•"/>
+            </a:pPr>
+            <a:endParaRPr lang="ko-KR" altLang="en-US" sz="2000" cap="none" dirty="0" smtClean="0" b="0" strike="noStrike">
+              <a:latin typeface="서울남산체 B" charset="0"/>
+              <a:ea typeface="서울남산체 B" charset="0"/>
+            </a:endParaRPr>
+          </a:p>
+          <a:p>
+            <a:pPr marL="228600" indent="-182880" algn="l" fontAlgn="auto" defTabSz="914400">
+              <a:lnSpc>
+                <a:spcPct val="90000"/>
+              </a:lnSpc>
+              <a:spcBef>
+                <a:spcPts val="1400"/>
+              </a:spcBef>
+              <a:spcAft>
+                <a:spcPts val="0"/>
+              </a:spcAft>
+              <a:buClr>
+                <a:srgbClr val="A6B727"/>
+              </a:buClr>
+              <a:buSzPct val="80000"/>
+              <a:buFont typeface="Corbel"/>
+              <a:buChar char="•"/>
+            </a:pPr>
+            <a:endParaRPr lang="ko-KR" altLang="en-US" sz="3200" cap="none" dirty="0" smtClean="0" b="0" strike="noStrike">
+              <a:latin typeface="서울남산체 B" charset="0"/>
+              <a:ea typeface="서울남산체 B" charset="0"/>
+            </a:endParaRPr>
+          </a:p>
+          <a:p>
+            <a:pPr marL="228600" indent="-182880" algn="l" fontAlgn="auto" defTabSz="914400">
+              <a:lnSpc>
+                <a:spcPct val="90000"/>
+              </a:lnSpc>
+              <a:spcBef>
+                <a:spcPts val="1400"/>
+              </a:spcBef>
+              <a:spcAft>
+                <a:spcPts val="0"/>
+              </a:spcAft>
+              <a:buClr>
+                <a:srgbClr val="A6B727"/>
+              </a:buClr>
+              <a:buSzPct val="80000"/>
+              <a:buFont typeface="Corbel"/>
+              <a:buChar char="•"/>
+            </a:pPr>
+            <a:endParaRPr lang="ko-KR" altLang="en-US" sz="3200" cap="none" dirty="0" smtClean="0" b="0" strike="noStrike">
+              <a:latin typeface="서울남산체 B" charset="0"/>
+              <a:ea typeface="서울남산체 B" charset="0"/>
+            </a:endParaRPr>
+          </a:p>
+          <a:p>
+            <a:pPr marL="228600" indent="-182880" algn="l" fontAlgn="auto" defTabSz="914400">
+              <a:lnSpc>
+                <a:spcPct val="90000"/>
+              </a:lnSpc>
+              <a:spcBef>
+                <a:spcPts val="1400"/>
+              </a:spcBef>
+              <a:spcAft>
+                <a:spcPts val="0"/>
+              </a:spcAft>
+              <a:buClr>
+                <a:srgbClr val="A6B727"/>
+              </a:buClr>
+              <a:buSzPct val="80000"/>
+              <a:buFont typeface="Corbel"/>
+              <a:buChar char="•"/>
+            </a:pPr>
+            <a:endParaRPr lang="ko-KR" altLang="en-US" sz="3200" cap="none" dirty="0" smtClean="0" b="0" strike="noStrike">
+              <a:latin typeface="서울남산체 B" charset="0"/>
+              <a:ea typeface="서울남산체 B" charset="0"/>
+            </a:endParaRPr>
+          </a:p>
+          <a:p>
+            <a:pPr marL="228600" indent="-182880" algn="l" fontAlgn="auto" defTabSz="914400">
+              <a:lnSpc>
+                <a:spcPct val="90000"/>
+              </a:lnSpc>
+              <a:spcBef>
+                <a:spcPts val="1400"/>
+              </a:spcBef>
+              <a:spcAft>
+                <a:spcPts val="0"/>
+              </a:spcAft>
+              <a:buClr>
+                <a:srgbClr val="A6B727"/>
+              </a:buClr>
+              <a:buSzPct val="80000"/>
+              <a:buFont typeface="Corbel"/>
+              <a:buChar char="•"/>
+            </a:pPr>
+            <a:endParaRPr lang="ko-KR" altLang="en-US" sz="2200" cap="none" dirty="0" smtClean="0" b="0" strike="noStrike">
+              <a:latin typeface="빙그레체" charset="0"/>
+              <a:ea typeface="빙그레체" charset="0"/>
+            </a:endParaRPr>
+          </a:p>
+          <a:p>
+            <a:pPr marL="228600" indent="-182880" algn="l" fontAlgn="auto" defTabSz="914400">
+              <a:lnSpc>
+                <a:spcPct val="90000"/>
+              </a:lnSpc>
+              <a:spcBef>
+                <a:spcPts val="1400"/>
+              </a:spcBef>
+              <a:spcAft>
+                <a:spcPts val="0"/>
+              </a:spcAft>
+              <a:buClr>
+                <a:srgbClr val="A6B727"/>
+              </a:buClr>
+              <a:buSzPct val="80000"/>
+              <a:buFont typeface="Corbel"/>
+              <a:buChar char="•"/>
+            </a:pPr>
+            <a:endParaRPr lang="ko-KR" altLang="en-US" sz="2200" cap="none" dirty="0" smtClean="0" b="0" strike="noStrike">
+              <a:latin typeface="빙그레체" charset="0"/>
+              <a:ea typeface="빙그레체" charset="0"/>
+            </a:endParaRPr>
+          </a:p>
+        </p:txBody>
+      </p:sp>
+    </p:spTree>
+  </p:cSld>
+  <p:clrMapOvr>
+    <a:masterClrMapping/>
+  </p:clrMapOvr>
+  <mc:AlternateContent xmlns:mc="http://schemas.openxmlformats.org/markup-compatibility/2006">
+    <mc:Choice xmlns:p14="http://schemas.microsoft.com/office/powerpoint/2010/main" Requires="p14">
+      <p:transition spd="slow" p14:dur="2000"/>
+    </mc:Choice>
+    <mc:Fallback>
+      <p:transition spd="slow"/>
+    </mc:Fallback>
+  </mc:AlternateContent>
+  <p:timing>
+    <p:tnLst>
+      <p:par>
+        <p:cTn id="1" dur="indefinite" restart="never" nodeType="tmRoot"/>
+      </p:par>
+    </p:tnLst>
+  </p:timing>
+</p:sld>
+</file>
+
+<file path=ppt/slides/slide9.xml><?xml version="1.0" encoding="utf-8"?>
+<p:sld xmlns:a="http://schemas.openxmlformats.org/drawingml/2006/main" xmlns:r="http://schemas.openxmlformats.org/officeDocument/2006/relationships" xmlns:p="http://schemas.openxmlformats.org/presentationml/2006/main">
+  <p:cSld>
+    <p:spTree>
+      <p:nvGrpSpPr>
+        <p:cNvPr id="1" name=""/>
+        <p:cNvGrpSpPr/>
+        <p:nvPr/>
+      </p:nvGrpSpPr>
+      <p:grpSpPr>
+        <a:xfrm>
+          <a:off x="0" y="0"/>
+          <a:ext cx="0" cy="0"/>
+          <a:chOff x="0" y="0"/>
+          <a:chExt cx="0" cy="0"/>
+        </a:xfrm>
+      </p:grpSpPr>
+      <p:sp>
+        <p:nvSpPr>
+          <p:cNvPr id="2" name="텍스트 개체 틀 1"/>
+          <p:cNvSpPr txBox="1">
+            <a:spLocks/>
+          </p:cNvSpPr>
+          <p:nvPr>
+            <p:ph type="title"/>
+          </p:nvPr>
+        </p:nvSpPr>
+        <p:spPr>
+          <a:xfrm rot="0">
+            <a:off x="1037590" y="250190"/>
+            <a:ext cx="9876155" cy="1356995"/>
+          </a:xfrm>
+          <a:prstGeom prst="rect"/>
+        </p:spPr>
+        <p:txBody>
+          <a:bodyPr wrap="square" lIns="91440" tIns="45720" rIns="91440" bIns="45720" vert="horz" anchor="ctr">
+            <a:normAutofit fontScale="100000" lnSpcReduction="0"/>
+          </a:bodyPr>
+          <a:lstStyle/>
+          <a:p>
+            <a:pPr marL="0" indent="0" algn="ctr" fontAlgn="auto" defTabSz="914400">
+              <a:lnSpc>
+                <a:spcPct val="90000"/>
+              </a:lnSpc>
+              <a:spcBef>
+                <a:spcPts val="0"/>
+              </a:spcBef>
+              <a:spcAft>
+                <a:spcPts val="0"/>
+              </a:spcAft>
+              <a:buFontTx/>
+              <a:buNone/>
+            </a:pPr>
+            <a:r>
+              <a:rPr lang="en-US" altLang="ko-KR" sz="5000" cap="none" dirty="0" smtClean="0" b="0" strike="noStrike">
+                <a:solidFill>
+                  <a:schemeClr val="accent1">
+                    <a:lumMod val="75000"/>
+                  </a:schemeClr>
+                </a:solidFill>
+                <a:latin typeface="배달의민족 주아" charset="0"/>
+                <a:ea typeface="배달의민족 주아" charset="0"/>
+              </a:rPr>
+              <a:t>경쟁사 비교/분석</a:t>
+            </a:r>
+            <a:endParaRPr lang="ko-KR" altLang="en-US" sz="5000" cap="none" dirty="0" smtClean="0" b="0" strike="noStrike">
+              <a:solidFill>
+                <a:schemeClr val="accent1">
+                  <a:lumMod val="75000"/>
+                </a:schemeClr>
+              </a:solidFill>
+              <a:latin typeface="배달의민족 주아" charset="0"/>
+              <a:ea typeface="배달의민족 주아" charset="0"/>
+            </a:endParaRPr>
+          </a:p>
+        </p:txBody>
+      </p:sp>
+      <p:pic>
+        <p:nvPicPr>
+          <p:cNvPr id="3" name="내용 개체 틀 2" descr="C:/Users/User/AppData/Roaming/PolarisOffice/ETemp/26796_18548248/fImage1377801396334.jpeg"/>
+          <p:cNvPicPr>
+            <a:picLocks noChangeAspect="1"/>
+          </p:cNvPicPr>
+          <p:nvPr>
+            <p:ph type="obj" idx="1"/>
+          </p:nvPr>
+        </p:nvPicPr>
+        <p:blipFill rotWithShape="1">
+          <a:blip r:embed="rId2">
+            <a:extLst>
+              <a:ext uri="{28A0092B-C50C-407E-A947-70E740481C1C}">
+                <a14:useLocalDpi xmlns:a14="http://schemas.microsoft.com/office/drawing/2010/main" val="0"/>
+              </a:ext>
+            </a:extLst>
+          </a:blip>
+          <a:srcRect/>
+          <a:stretch>
+            <a:fillRect/>
+          </a:stretch>
+        </p:blipFill>
+        <p:spPr>
+          <a:xfrm rot="0">
+            <a:off x="550545" y="1602740"/>
+            <a:ext cx="3529965" cy="3575685"/>
+          </a:xfrm>
+          <a:prstGeom prst="rect"/>
+          <a:noFill/>
+          <a:effectLst>
+            <a:outerShdw sx="102000" sy="102000" blurRad="63500" dist="0" dir="0" rotWithShape="0" algn="ctr">
+              <a:srgbClr val="000000">
+                <a:alpha val="40000"/>
+              </a:srgbClr>
+            </a:outerShdw>
+          </a:effectLst>
+        </p:spPr>
+      </p:pic>
+      <p:cxnSp>
+        <p:nvCxnSpPr>
+          <p:cNvPr id="5" name="직선 연결선 4"/>
+          <p:cNvCxnSpPr/>
+          <p:nvPr/>
+        </p:nvCxnSpPr>
+        <p:spPr>
+          <a:xfrm rot="0" flipV="1">
+            <a:off x="756285" y="1396365"/>
+            <a:ext cx="10440670" cy="635"/>
+          </a:xfrm>
+          <a:prstGeom prst="line"/>
+          <a:ln w="28575" cap="flat" cmpd="sng">
+            <a:solidFill>
+              <a:schemeClr val="accent1">
+                <a:alpha val="100000"/>
+              </a:schemeClr>
+            </a:solidFill>
+            <a:prstDash/>
+          </a:ln>
+        </p:spPr>
+        <p:style>
+          <a:lnRef idx="1">
+            <a:schemeClr val="accent1"/>
+          </a:lnRef>
+          <a:fillRef idx="0">
+            <a:schemeClr val="accent1"/>
+          </a:fillRef>
+          <a:effectRef idx="0">
+            <a:schemeClr val="accent1"/>
+          </a:effectRef>
+          <a:fontRef idx="minor">
+            <a:schemeClr val="tx1"/>
+          </a:fontRef>
+        </p:style>
+      </p:cxnSp>
+      <p:sp>
+        <p:nvSpPr>
+          <p:cNvPr id="7" name="내용 개체 틀 6"/>
+          <p:cNvSpPr txBox="1">
+            <a:spLocks/>
+          </p:cNvSpPr>
+          <p:nvPr>
+            <p:ph type="obj" idx="2"/>
+          </p:nvPr>
+        </p:nvSpPr>
+        <p:spPr>
+          <a:xfrm rot="0">
+            <a:off x="7295515" y="1605280"/>
+            <a:ext cx="3693160" cy="4490085"/>
+          </a:xfrm>
+          <a:prstGeom prst="rect"/>
+        </p:spPr>
+        <p:txBody>
+          <a:bodyPr wrap="square" lIns="91440" tIns="45720" rIns="91440" bIns="45720" vert="horz" anchor="t">
+            <a:normAutofit fontScale="100000" lnSpcReduction="0"/>
+          </a:bodyPr>
+          <a:lstStyle/>
+          <a:p>
+            <a:pPr marL="228600" indent="-182880" algn="l" fontAlgn="auto" defTabSz="914400">
+              <a:lnSpc>
+                <a:spcPct val="90000"/>
+              </a:lnSpc>
+              <a:spcBef>
+                <a:spcPts val="1400"/>
+              </a:spcBef>
+              <a:spcAft>
+                <a:spcPts val="0"/>
+              </a:spcAft>
+              <a:buClr>
+                <a:srgbClr val="A6B727"/>
+              </a:buClr>
+              <a:buSzPct val="80000"/>
+              <a:buFont typeface="Corbel"/>
+              <a:buChar char="•"/>
+            </a:pPr>
+            <a:r>
+              <a:rPr lang="en-US" altLang="ko-KR" sz="2000" cap="none" dirty="0" smtClean="0" b="0" strike="noStrike">
+                <a:latin typeface="서울남산체 B" charset="0"/>
+                <a:ea typeface="서울남산체 B" charset="0"/>
+              </a:rPr>
+              <a:t>사이드바에 캠페인과 상품구매에 도움을 주는 컨텐츠를 고정시켜두어 홍보와 구매의 편리함을 준다.</a:t>
+            </a:r>
+            <a:endParaRPr lang="ko-KR" altLang="en-US" sz="2000" cap="none" dirty="0" smtClean="0" b="0" strike="noStrike">
+              <a:latin typeface="서울남산체 B" charset="0"/>
+              <a:ea typeface="서울남산체 B" charset="0"/>
+            </a:endParaRPr>
+          </a:p>
+          <a:p>
+            <a:pPr marL="228600" indent="-182880" algn="l" fontAlgn="auto" defTabSz="914400">
+              <a:lnSpc>
+                <a:spcPct val="90000"/>
+              </a:lnSpc>
+              <a:spcBef>
+                <a:spcPts val="1400"/>
+              </a:spcBef>
+              <a:spcAft>
+                <a:spcPts val="0"/>
+              </a:spcAft>
+              <a:buClr>
+                <a:srgbClr val="A6B727"/>
+              </a:buClr>
+              <a:buSzPct val="80000"/>
+              <a:buFont typeface="Corbel"/>
+              <a:buChar char="•"/>
+            </a:pPr>
+            <a:r>
+              <a:rPr lang="en-US" altLang="ko-KR" sz="2000" cap="none" dirty="0" smtClean="0" b="0" strike="noStrike">
+                <a:latin typeface="서울남산체 B" charset="0"/>
+                <a:ea typeface="서울남산체 B" charset="0"/>
+              </a:rPr>
+              <a:t>각 브랜드별로 대표하는 배너를 삽입하여 상표성을 쉽고 재밌게 알릴 수 있게 했다. </a:t>
+            </a:r>
+            <a:endParaRPr lang="ko-KR" altLang="en-US" sz="3200" cap="none" dirty="0" smtClean="0" b="0" strike="noStrike">
+              <a:latin typeface="서울남산체 B" charset="0"/>
+              <a:ea typeface="서울남산체 B" charset="0"/>
+            </a:endParaRPr>
+          </a:p>
+          <a:p>
+            <a:pPr marL="228600" indent="-182880" algn="l" fontAlgn="auto" defTabSz="914400">
+              <a:lnSpc>
+                <a:spcPct val="90000"/>
+              </a:lnSpc>
+              <a:spcBef>
+                <a:spcPts val="1400"/>
+              </a:spcBef>
+              <a:spcAft>
+                <a:spcPts val="0"/>
+              </a:spcAft>
+              <a:buClr>
+                <a:srgbClr val="A6B727"/>
+              </a:buClr>
+              <a:buSzPct val="80000"/>
+              <a:buFont typeface="Corbel"/>
+              <a:buChar char="•"/>
+            </a:pPr>
+            <a:endParaRPr lang="ko-KR" altLang="en-US" sz="3200" cap="none" dirty="0" smtClean="0" b="0" strike="noStrike">
+              <a:latin typeface="서울남산체 B" charset="0"/>
+              <a:ea typeface="서울남산체 B" charset="0"/>
+            </a:endParaRPr>
+          </a:p>
+          <a:p>
+            <a:pPr marL="228600" indent="-182880" algn="l" fontAlgn="auto" defTabSz="914400">
+              <a:lnSpc>
+                <a:spcPct val="90000"/>
+              </a:lnSpc>
+              <a:spcBef>
+                <a:spcPts val="1400"/>
+              </a:spcBef>
+              <a:spcAft>
+                <a:spcPts val="0"/>
+              </a:spcAft>
+              <a:buClr>
+                <a:srgbClr val="A6B727"/>
+              </a:buClr>
+              <a:buSzPct val="80000"/>
+              <a:buFont typeface="Corbel"/>
+              <a:buChar char="•"/>
+            </a:pPr>
+            <a:endParaRPr lang="ko-KR" altLang="en-US" sz="2200" cap="none" dirty="0" smtClean="0" b="0" strike="noStrike">
+              <a:latin typeface="빙그레체" charset="0"/>
+              <a:ea typeface="빙그레체" charset="0"/>
+            </a:endParaRPr>
+          </a:p>
+          <a:p>
+            <a:pPr marL="228600" indent="-182880" algn="l" fontAlgn="auto" defTabSz="914400">
+              <a:lnSpc>
+                <a:spcPct val="90000"/>
+              </a:lnSpc>
+              <a:spcBef>
+                <a:spcPts val="1400"/>
+              </a:spcBef>
+              <a:spcAft>
+                <a:spcPts val="0"/>
+              </a:spcAft>
+              <a:buClr>
+                <a:srgbClr val="A6B727"/>
+              </a:buClr>
+              <a:buSzPct val="80000"/>
+              <a:buFont typeface="Corbel"/>
+              <a:buChar char="•"/>
+            </a:pPr>
+            <a:endParaRPr lang="ko-KR" altLang="en-US" sz="2200" cap="none" dirty="0" smtClean="0" b="0" strike="noStrike">
+              <a:latin typeface="빙그레체" charset="0"/>
+              <a:ea typeface="빙그레체" charset="0"/>
+            </a:endParaRPr>
+          </a:p>
+        </p:txBody>
+      </p:sp>
+      <p:pic>
+        <p:nvPicPr>
+          <p:cNvPr id="8" name="그림 7" descr="C:/Users/User/AppData/Roaming/PolarisOffice/ETemp/26796_18548248/fImage1538441406500.jpeg"/>
+          <p:cNvPicPr>
+            <a:picLocks noChangeAspect="1"/>
+          </p:cNvPicPr>
+          <p:nvPr/>
+        </p:nvPicPr>
+        <p:blipFill rotWithShape="1">
+          <a:blip r:embed="rId3">
+            <a:extLst>
+              <a:ext uri="{28A0092B-C50C-407E-A947-70E740481C1C}">
+                <a14:useLocalDpi xmlns:a14="http://schemas.microsoft.com/office/drawing/2010/main" val="0"/>
+              </a:ext>
+            </a:extLst>
+          </a:blip>
+          <a:stretch>
+            <a:fillRect/>
+          </a:stretch>
+        </p:blipFill>
+        <p:spPr>
+          <a:xfrm rot="0">
+            <a:off x="2900045" y="3850005"/>
+            <a:ext cx="3246755" cy="2451735"/>
+          </a:xfrm>
+          <a:prstGeom prst="rect"/>
+          <a:noFill/>
+        </p:spPr>
+      </p:pic>
+      <p:pic>
+        <p:nvPicPr>
+          <p:cNvPr id="9" name="그림 8" descr="C:/Users/User/AppData/Roaming/PolarisOffice/ETemp/26796_18548248/fImage1538441419169.jpeg"/>
+          <p:cNvPicPr>
+            <a:picLocks noChangeAspect="1"/>
+          </p:cNvPicPr>
+          <p:nvPr/>
+        </p:nvPicPr>
+        <p:blipFill rotWithShape="1">
+          <a:blip r:embed="rId4">
+            <a:extLst>
+              <a:ext uri="{28A0092B-C50C-407E-A947-70E740481C1C}">
+                <a14:useLocalDpi xmlns:a14="http://schemas.microsoft.com/office/drawing/2010/main" val="0"/>
+              </a:ext>
+            </a:extLst>
+          </a:blip>
+          <a:stretch>
+            <a:fillRect/>
+          </a:stretch>
+        </p:blipFill>
+        <p:spPr>
+          <a:xfrm rot="0">
+            <a:off x="2969260" y="3309620"/>
+            <a:ext cx="4154805" cy="3138170"/>
+          </a:xfrm>
+          <a:prstGeom prst="rect"/>
+          <a:noFill/>
+          <a:effectLst>
+            <a:outerShdw sx="102000" sy="102000" blurRad="63500" dist="0" dir="0" rotWithShape="0" algn="ctr">
+              <a:srgbClr val="000000">
+                <a:alpha val="40000"/>
+              </a:srgbClr>
+            </a:outerShdw>
+          </a:effectLst>
+        </p:spPr>
+      </p:pic>
+    </p:spTree>
+  </p:cSld>
+  <p:clrMapOvr>
+    <a:masterClrMapping/>
+  </p:clrMapOvr>
+  <mc:AlternateContent xmlns:mc="http://schemas.openxmlformats.org/markup-compatibility/2006">
+    <mc:Choice xmlns:p14="http://schemas.microsoft.com/office/powerpoint/2010/main" Requires="p14">
+      <p:transition spd="slow" p14:dur="2000"/>
+    </mc:Choice>
+    <mc:Fallback>
+      <p:transition spd="slow"/>
+    </mc:Fallback>
+  </mc:AlternateContent>
   <p:timing>
     <p:tnLst>
       <p:par>
